--- a/FluoCardent/4.Documents/Informe_preliminar.pptx
+++ b/FluoCardent/4.Documents/Informe_preliminar.pptx
@@ -112,6 +112,11 @@
       </a:defRPr>
     </a:lvl9pPr>
   </p:defaultTextStyle>
+  <p:extLst>
+    <p:ext uri="{EFAFB233-063F-42B5-8137-9DF3F51BA10A}">
+      <p15:sldGuideLst xmlns:p15="http://schemas.microsoft.com/office/powerpoint/2012/main"/>
+    </p:ext>
+  </p:extLst>
 </p:presentation>
 </file>
 
@@ -3622,16 +3627,16 @@
           <a:lstStyle/>
           <a:p>
             <a:r>
-              <a:rPr lang="es-ES_tradnl" sz="1500"/>
+              <a:rPr lang="es-ES_tradnl" sz="1500" dirty="0"/>
               <a:t>Cesar A Saavedra</a:t>
             </a:r>
           </a:p>
           <a:p>
             <a:r>
-              <a:rPr lang="es-ES_tradnl" sz="1500" err="1"/>
+              <a:rPr lang="es-ES_tradnl" sz="1500" dirty="0" err="1"/>
               <a:t>Mindlabs</a:t>
             </a:r>
-            <a:endParaRPr lang="es-ES_tradnl" sz="1500"/>
+            <a:endParaRPr lang="es-ES_tradnl" sz="1500" dirty="0"/>
           </a:p>
         </p:txBody>
       </p:sp>
@@ -5731,7 +5736,7 @@
         <p:spPr>
           <a:xfrm>
             <a:off x="2863054" y="5789483"/>
-            <a:ext cx="9109481" cy="369332"/>
+            <a:ext cx="8582093" cy="369332"/>
           </a:xfrm>
           <a:prstGeom prst="rect">
             <a:avLst/>
@@ -5746,7 +5751,7 @@
           <a:p>
             <a:r>
               <a:rPr lang="es-ES_tradnl" dirty="0"/>
-              <a:t>De las personas valora la historia del comercial enmarcada en situaciones se la vida real</a:t>
+              <a:t>De las personas valora la historia comercial enmarcada en situaciones se la vida real</a:t>
             </a:r>
           </a:p>
         </p:txBody>
@@ -8042,7 +8047,7 @@
               <a:t>una</a:t>
             </a:r>
             <a:r>
-              <a:rPr lang="en-US" sz="1800" b="1" dirty="0">
+              <a:rPr lang="en-US" b="1" dirty="0">
                 <a:solidFill>
                   <a:schemeClr val="bg1"/>
                 </a:solidFill>
@@ -8054,28 +8059,64 @@
               <a:t> </a:t>
             </a:r>
             <a:r>
-              <a:rPr lang="en-US" sz="1800" b="1" dirty="0" err="1">
+              <a:rPr lang="es-CO" sz="1800" b="1" dirty="0">
                 <a:solidFill>
                   <a:schemeClr val="bg1"/>
+                </a:solidFill>
+                <a:effectLst/>
+                <a:latin typeface="Aptos" panose="020B0004020202020204" pitchFamily="34" charset="0"/>
+                <a:ea typeface="Aptos" panose="020B0004020202020204" pitchFamily="34" charset="0"/>
+                <a:cs typeface="Times New Roman" panose="02020603050405020304" pitchFamily="18" charset="0"/>
+              </a:rPr>
+              <a:t>percepción </a:t>
+            </a:r>
+            <a:r>
+              <a:rPr lang="en-US" sz="1800" b="1" dirty="0">
+                <a:solidFill>
+                  <a:schemeClr val="accent6"/>
                 </a:solidFill>
                 <a:latin typeface="Arial" panose="020B0604020202020204" pitchFamily="34" charset="0"/>
                 <a:ea typeface="Poppins"/>
                 <a:cs typeface="Arial" panose="020B0604020202020204" pitchFamily="34" charset="0"/>
                 <a:sym typeface="Poppins"/>
               </a:rPr>
-              <a:t>percepcion</a:t>
-            </a:r>
-            <a:r>
-              <a:rPr lang="en-US" sz="1800" b="1" dirty="0">
-                <a:solidFill>
-                  <a:schemeClr val="bg1"/>
+              <a:t>Muy </a:t>
+            </a:r>
+            <a:r>
+              <a:rPr lang="en-US" sz="1800" b="1" dirty="0" err="1">
+                <a:solidFill>
+                  <a:schemeClr val="accent6"/>
                 </a:solidFill>
                 <a:latin typeface="Arial" panose="020B0604020202020204" pitchFamily="34" charset="0"/>
                 <a:ea typeface="Poppins"/>
                 <a:cs typeface="Arial" panose="020B0604020202020204" pitchFamily="34" charset="0"/>
                 <a:sym typeface="Poppins"/>
               </a:rPr>
-              <a:t> Muy positive de JGB, con </a:t>
+              <a:t>positiva</a:t>
+            </a:r>
+            <a:r>
+              <a:rPr lang="en-US" sz="1800" b="1" dirty="0">
+                <a:solidFill>
+                  <a:schemeClr val="accent6"/>
+                </a:solidFill>
+                <a:latin typeface="Arial" panose="020B0604020202020204" pitchFamily="34" charset="0"/>
+                <a:ea typeface="Poppins"/>
+                <a:cs typeface="Arial" panose="020B0604020202020204" pitchFamily="34" charset="0"/>
+                <a:sym typeface="Poppins"/>
+              </a:rPr>
+              <a:t> </a:t>
+            </a:r>
+            <a:r>
+              <a:rPr lang="en-US" sz="1800" b="1" dirty="0">
+                <a:solidFill>
+                  <a:schemeClr val="bg1"/>
+                </a:solidFill>
+                <a:latin typeface="Arial" panose="020B0604020202020204" pitchFamily="34" charset="0"/>
+                <a:ea typeface="Poppins"/>
+                <a:cs typeface="Arial" panose="020B0604020202020204" pitchFamily="34" charset="0"/>
+                <a:sym typeface="Poppins"/>
+              </a:rPr>
+              <a:t>de JGB, con </a:t>
             </a:r>
             <a:r>
               <a:rPr lang="en-US" sz="1800" b="1" dirty="0" err="1">
@@ -8792,7 +8833,7 @@
                 <a:cs typeface="Arial" panose="020B0604020202020204" pitchFamily="34" charset="0"/>
                 <a:sym typeface="Poppins"/>
               </a:rPr>
-              <a:t> la Calidad del product </a:t>
+              <a:t> la Calidad del </a:t>
             </a:r>
             <a:r>
               <a:rPr lang="en-US" sz="1800" b="1" dirty="0" err="1">
@@ -8804,7 +8845,7 @@
                 <a:cs typeface="Arial" panose="020B0604020202020204" pitchFamily="34" charset="0"/>
                 <a:sym typeface="Poppins"/>
               </a:rPr>
-              <a:t>como</a:t>
+              <a:t>producto</a:t>
             </a:r>
             <a:r>
               <a:rPr lang="en-US" sz="1800" b="1" dirty="0">
@@ -8828,7 +8869,7 @@
                 <a:cs typeface="Arial" panose="020B0604020202020204" pitchFamily="34" charset="0"/>
                 <a:sym typeface="Poppins"/>
               </a:rPr>
-              <a:t>una</a:t>
+              <a:t>como</a:t>
             </a:r>
             <a:r>
               <a:rPr lang="en-US" sz="1800" b="1" dirty="0">
@@ -8840,7 +8881,7 @@
                 <a:cs typeface="Arial" panose="020B0604020202020204" pitchFamily="34" charset="0"/>
                 <a:sym typeface="Poppins"/>
               </a:rPr>
-              <a:t> de las principals </a:t>
+              <a:t> </a:t>
             </a:r>
             <a:r>
               <a:rPr lang="en-US" sz="1800" b="1" dirty="0" err="1">
@@ -8852,7 +8893,55 @@
                 <a:cs typeface="Arial" panose="020B0604020202020204" pitchFamily="34" charset="0"/>
                 <a:sym typeface="Poppins"/>
               </a:rPr>
-              <a:t>caracteristicas</a:t>
+              <a:t>una</a:t>
+            </a:r>
+            <a:r>
+              <a:rPr lang="en-US" sz="1800" b="1" dirty="0">
+                <a:solidFill>
+                  <a:schemeClr val="bg1"/>
+                </a:solidFill>
+                <a:latin typeface="Arial" panose="020B0604020202020204" pitchFamily="34" charset="0"/>
+                <a:ea typeface="Poppins"/>
+                <a:cs typeface="Arial" panose="020B0604020202020204" pitchFamily="34" charset="0"/>
+                <a:sym typeface="Poppins"/>
+              </a:rPr>
+              <a:t> de las </a:t>
+            </a:r>
+            <a:r>
+              <a:rPr lang="en-US" sz="1800" b="1" dirty="0" err="1">
+                <a:solidFill>
+                  <a:schemeClr val="bg1"/>
+                </a:solidFill>
+                <a:latin typeface="Arial" panose="020B0604020202020204" pitchFamily="34" charset="0"/>
+                <a:ea typeface="Poppins"/>
+                <a:cs typeface="Arial" panose="020B0604020202020204" pitchFamily="34" charset="0"/>
+                <a:sym typeface="Poppins"/>
+              </a:rPr>
+              <a:t>principales</a:t>
+            </a:r>
+            <a:r>
+              <a:rPr lang="en-US" sz="1800" b="1" dirty="0">
+                <a:solidFill>
+                  <a:schemeClr val="bg1"/>
+                </a:solidFill>
+                <a:latin typeface="Arial" panose="020B0604020202020204" pitchFamily="34" charset="0"/>
+                <a:ea typeface="Poppins"/>
+                <a:cs typeface="Arial" panose="020B0604020202020204" pitchFamily="34" charset="0"/>
+                <a:sym typeface="Poppins"/>
+              </a:rPr>
+              <a:t> </a:t>
+            </a:r>
+            <a:r>
+              <a:rPr lang="en-US" sz="1800" b="1" dirty="0" err="1">
+                <a:solidFill>
+                  <a:schemeClr val="bg1"/>
+                </a:solidFill>
+                <a:latin typeface="Arial" panose="020B0604020202020204" pitchFamily="34" charset="0"/>
+                <a:ea typeface="Poppins"/>
+                <a:cs typeface="Arial" panose="020B0604020202020204" pitchFamily="34" charset="0"/>
+                <a:sym typeface="Poppins"/>
+              </a:rPr>
+              <a:t>características</a:t>
             </a:r>
             <a:r>
               <a:rPr lang="en-US" sz="1800" b="1" dirty="0">

--- a/FluoCardent/4.Documents/Informe_preliminar.pptx
+++ b/FluoCardent/4.Documents/Informe_preliminar.pptx
@@ -6,14 +6,22 @@
   </p:sldMasterIdLst>
   <p:sldIdLst>
     <p:sldId id="267" r:id="rId2"/>
-    <p:sldId id="259" r:id="rId3"/>
-    <p:sldId id="260" r:id="rId4"/>
-    <p:sldId id="261" r:id="rId5"/>
-    <p:sldId id="262" r:id="rId6"/>
-    <p:sldId id="263" r:id="rId7"/>
-    <p:sldId id="264" r:id="rId8"/>
-    <p:sldId id="265" r:id="rId9"/>
-    <p:sldId id="266" r:id="rId10"/>
+    <p:sldId id="271" r:id="rId3"/>
+    <p:sldId id="272" r:id="rId4"/>
+    <p:sldId id="269" r:id="rId5"/>
+    <p:sldId id="273" r:id="rId6"/>
+    <p:sldId id="270" r:id="rId7"/>
+    <p:sldId id="274" r:id="rId8"/>
+    <p:sldId id="275" r:id="rId9"/>
+    <p:sldId id="276" r:id="rId10"/>
+    <p:sldId id="259" r:id="rId11"/>
+    <p:sldId id="260" r:id="rId12"/>
+    <p:sldId id="261" r:id="rId13"/>
+    <p:sldId id="262" r:id="rId14"/>
+    <p:sldId id="263" r:id="rId15"/>
+    <p:sldId id="264" r:id="rId16"/>
+    <p:sldId id="265" r:id="rId17"/>
+    <p:sldId id="266" r:id="rId18"/>
   </p:sldIdLst>
   <p:sldSz cx="12192000" cy="6858000"/>
   <p:notesSz cx="6858000" cy="9144000"/>
@@ -269,7 +277,7 @@
           <a:p>
             <a:fld id="{1CD2D1C6-1B00-0A42-ADC2-1DD25C4B3E9A}" type="datetimeFigureOut">
               <a:rPr lang="es-ES_tradnl" smtClean="0"/>
-              <a:t>1/8/24</a:t>
+              <a:t>13/8/24</a:t>
             </a:fld>
             <a:endParaRPr lang="es-ES_tradnl"/>
           </a:p>
@@ -469,7 +477,7 @@
           <a:p>
             <a:fld id="{1CD2D1C6-1B00-0A42-ADC2-1DD25C4B3E9A}" type="datetimeFigureOut">
               <a:rPr lang="es-ES_tradnl" smtClean="0"/>
-              <a:t>1/8/24</a:t>
+              <a:t>13/8/24</a:t>
             </a:fld>
             <a:endParaRPr lang="es-ES_tradnl"/>
           </a:p>
@@ -679,7 +687,7 @@
           <a:p>
             <a:fld id="{1CD2D1C6-1B00-0A42-ADC2-1DD25C4B3E9A}" type="datetimeFigureOut">
               <a:rPr lang="es-ES_tradnl" smtClean="0"/>
-              <a:t>1/8/24</a:t>
+              <a:t>13/8/24</a:t>
             </a:fld>
             <a:endParaRPr lang="es-ES_tradnl"/>
           </a:p>
@@ -879,7 +887,7 @@
           <a:p>
             <a:fld id="{1CD2D1C6-1B00-0A42-ADC2-1DD25C4B3E9A}" type="datetimeFigureOut">
               <a:rPr lang="es-ES_tradnl" smtClean="0"/>
-              <a:t>1/8/24</a:t>
+              <a:t>13/8/24</a:t>
             </a:fld>
             <a:endParaRPr lang="es-ES_tradnl"/>
           </a:p>
@@ -1155,7 +1163,7 @@
           <a:p>
             <a:fld id="{1CD2D1C6-1B00-0A42-ADC2-1DD25C4B3E9A}" type="datetimeFigureOut">
               <a:rPr lang="es-ES_tradnl" smtClean="0"/>
-              <a:t>1/8/24</a:t>
+              <a:t>13/8/24</a:t>
             </a:fld>
             <a:endParaRPr lang="es-ES_tradnl"/>
           </a:p>
@@ -1423,7 +1431,7 @@
           <a:p>
             <a:fld id="{1CD2D1C6-1B00-0A42-ADC2-1DD25C4B3E9A}" type="datetimeFigureOut">
               <a:rPr lang="es-ES_tradnl" smtClean="0"/>
-              <a:t>1/8/24</a:t>
+              <a:t>13/8/24</a:t>
             </a:fld>
             <a:endParaRPr lang="es-ES_tradnl"/>
           </a:p>
@@ -1838,7 +1846,7 @@
           <a:p>
             <a:fld id="{1CD2D1C6-1B00-0A42-ADC2-1DD25C4B3E9A}" type="datetimeFigureOut">
               <a:rPr lang="es-ES_tradnl" smtClean="0"/>
-              <a:t>1/8/24</a:t>
+              <a:t>13/8/24</a:t>
             </a:fld>
             <a:endParaRPr lang="es-ES_tradnl"/>
           </a:p>
@@ -1980,7 +1988,7 @@
           <a:p>
             <a:fld id="{1CD2D1C6-1B00-0A42-ADC2-1DD25C4B3E9A}" type="datetimeFigureOut">
               <a:rPr lang="es-ES_tradnl" smtClean="0"/>
-              <a:t>1/8/24</a:t>
+              <a:t>13/8/24</a:t>
             </a:fld>
             <a:endParaRPr lang="es-ES_tradnl"/>
           </a:p>
@@ -2093,7 +2101,7 @@
           <a:p>
             <a:fld id="{1CD2D1C6-1B00-0A42-ADC2-1DD25C4B3E9A}" type="datetimeFigureOut">
               <a:rPr lang="es-ES_tradnl" smtClean="0"/>
-              <a:t>1/8/24</a:t>
+              <a:t>13/8/24</a:t>
             </a:fld>
             <a:endParaRPr lang="es-ES_tradnl"/>
           </a:p>
@@ -2406,7 +2414,7 @@
           <a:p>
             <a:fld id="{1CD2D1C6-1B00-0A42-ADC2-1DD25C4B3E9A}" type="datetimeFigureOut">
               <a:rPr lang="es-ES_tradnl" smtClean="0"/>
-              <a:t>1/8/24</a:t>
+              <a:t>13/8/24</a:t>
             </a:fld>
             <a:endParaRPr lang="es-ES_tradnl"/>
           </a:p>
@@ -2695,7 +2703,7 @@
           <a:p>
             <a:fld id="{1CD2D1C6-1B00-0A42-ADC2-1DD25C4B3E9A}" type="datetimeFigureOut">
               <a:rPr lang="es-ES_tradnl" smtClean="0"/>
-              <a:t>1/8/24</a:t>
+              <a:t>13/8/24</a:t>
             </a:fld>
             <a:endParaRPr lang="es-ES_tradnl"/>
           </a:p>
@@ -2938,7 +2946,7 @@
           <a:p>
             <a:fld id="{1CD2D1C6-1B00-0A42-ADC2-1DD25C4B3E9A}" type="datetimeFigureOut">
               <a:rPr lang="es-ES_tradnl" smtClean="0"/>
-              <a:t>1/8/24</a:t>
+              <a:t>13/8/24</a:t>
             </a:fld>
             <a:endParaRPr lang="es-ES_tradnl"/>
           </a:p>
@@ -3585,15 +3593,15 @@
           <a:lstStyle/>
           <a:p>
             <a:r>
-              <a:rPr lang="es-ES_tradnl" sz="7200"/>
-              <a:t>Informe preliminar:</a:t>
+              <a:rPr lang="es-ES_tradnl" sz="7200" dirty="0"/>
+              <a:t>Informe Cuantitativo:</a:t>
             </a:r>
             <a:br>
-              <a:rPr lang="es-ES_tradnl" sz="7200"/>
+              <a:rPr lang="es-ES_tradnl" sz="7200" dirty="0"/>
             </a:br>
             <a:r>
-              <a:rPr lang="es-ES_tradnl" sz="7200"/>
-              <a:t>FluoCardent</a:t>
+              <a:rPr lang="es-ES_tradnl" sz="7200" b="1" dirty="0"/>
+              <a:t>FLUOCARDENT</a:t>
             </a:r>
           </a:p>
         </p:txBody>
@@ -3616,7 +3624,7 @@
         </p:nvSpPr>
         <p:spPr>
           <a:xfrm>
-            <a:off x="1524000" y="5514052"/>
+            <a:off x="1523999" y="4241975"/>
             <a:ext cx="9144000" cy="651910"/>
           </a:xfrm>
         </p:spPr>
@@ -3626,17 +3634,32 @@
           </a:bodyPr>
           <a:lstStyle/>
           <a:p>
+            <a:pPr>
+              <a:lnSpc>
+                <a:spcPct val="100000"/>
+              </a:lnSpc>
+              <a:spcBef>
+                <a:spcPts val="0"/>
+              </a:spcBef>
+            </a:pPr>
             <a:r>
               <a:rPr lang="es-ES_tradnl" sz="1500" dirty="0"/>
               <a:t>Cesar A Saavedra</a:t>
             </a:r>
           </a:p>
           <a:p>
-            <a:r>
-              <a:rPr lang="es-ES_tradnl" sz="1500" dirty="0" err="1"/>
-              <a:t>Mindlabs</a:t>
-            </a:r>
-            <a:endParaRPr lang="es-ES_tradnl" sz="1500" dirty="0"/>
+            <a:pPr>
+              <a:lnSpc>
+                <a:spcPct val="100000"/>
+              </a:lnSpc>
+              <a:spcBef>
+                <a:spcPts val="0"/>
+              </a:spcBef>
+            </a:pPr>
+            <a:r>
+              <a:rPr lang="es-ES_tradnl" sz="1500" dirty="0"/>
+              <a:t>Estadístico</a:t>
+            </a:r>
           </a:p>
         </p:txBody>
       </p:sp>
@@ -3692,6 +3715,34 @@
           </a:fontRef>
         </p:style>
       </p:cxnSp>
+      <p:pic>
+        <p:nvPicPr>
+          <p:cNvPr id="4" name="object 46">
+            <a:extLst>
+              <a:ext uri="{FF2B5EF4-FFF2-40B4-BE49-F238E27FC236}">
+                <a16:creationId xmlns:a16="http://schemas.microsoft.com/office/drawing/2014/main" id="{FD8AF51F-810F-28C8-8872-BA7C1E5048CF}"/>
+              </a:ext>
+            </a:extLst>
+          </p:cNvPr>
+          <p:cNvPicPr/>
+          <p:nvPr/>
+        </p:nvPicPr>
+        <p:blipFill>
+          <a:blip r:embed="rId2" cstate="print"/>
+          <a:stretch>
+            <a:fillRect/>
+          </a:stretch>
+        </p:blipFill>
+        <p:spPr>
+          <a:xfrm>
+            <a:off x="5647943" y="5514197"/>
+            <a:ext cx="896111" cy="496824"/>
+          </a:xfrm>
+          <a:prstGeom prst="rect">
+            <a:avLst/>
+          </a:prstGeom>
+        </p:spPr>
+      </p:pic>
     </p:spTree>
     <p:extLst>
       <p:ext uri="{BB962C8B-B14F-4D97-AF65-F5344CB8AC3E}">
@@ -3705,7 +3756,7 @@
 </p:sld>
 </file>
 
-<file path=ppt/slides/slide2.xml><?xml version="1.0" encoding="utf-8"?>
+<file path=ppt/slides/slide10.xml><?xml version="1.0" encoding="utf-8"?>
 <p:sld xmlns:a="http://schemas.openxmlformats.org/drawingml/2006/main" xmlns:r="http://schemas.openxmlformats.org/officeDocument/2006/relationships" xmlns:p="http://schemas.openxmlformats.org/presentationml/2006/main">
   <p:cSld>
     <p:bg>
@@ -4429,7 +4480,7 @@
 </p:sld>
 </file>
 
-<file path=ppt/slides/slide3.xml><?xml version="1.0" encoding="utf-8"?>
+<file path=ppt/slides/slide11.xml><?xml version="1.0" encoding="utf-8"?>
 <p:sld xmlns:a="http://schemas.openxmlformats.org/drawingml/2006/main" xmlns:r="http://schemas.openxmlformats.org/officeDocument/2006/relationships" xmlns:p="http://schemas.openxmlformats.org/presentationml/2006/main">
   <p:cSld>
     <p:bg>
@@ -5076,7 +5127,7 @@
 </p:sld>
 </file>
 
-<file path=ppt/slides/slide4.xml><?xml version="1.0" encoding="utf-8"?>
+<file path=ppt/slides/slide12.xml><?xml version="1.0" encoding="utf-8"?>
 <p:sld xmlns:a="http://schemas.openxmlformats.org/drawingml/2006/main" xmlns:r="http://schemas.openxmlformats.org/officeDocument/2006/relationships" xmlns:p="http://schemas.openxmlformats.org/presentationml/2006/main">
   <p:cSld>
     <p:bg>
@@ -5998,7 +6049,7 @@
 </p:sld>
 </file>
 
-<file path=ppt/slides/slide5.xml><?xml version="1.0" encoding="utf-8"?>
+<file path=ppt/slides/slide13.xml><?xml version="1.0" encoding="utf-8"?>
 <p:sld xmlns:a="http://schemas.openxmlformats.org/drawingml/2006/main" xmlns:r="http://schemas.openxmlformats.org/officeDocument/2006/relationships" xmlns:p="http://schemas.openxmlformats.org/presentationml/2006/main">
   <p:cSld>
     <p:bg>
@@ -6818,7 +6869,7 @@
 </p:sld>
 </file>
 
-<file path=ppt/slides/slide6.xml><?xml version="1.0" encoding="utf-8"?>
+<file path=ppt/slides/slide14.xml><?xml version="1.0" encoding="utf-8"?>
 <p:sld xmlns:a="http://schemas.openxmlformats.org/drawingml/2006/main" xmlns:r="http://schemas.openxmlformats.org/officeDocument/2006/relationships" xmlns:p="http://schemas.openxmlformats.org/presentationml/2006/main">
   <p:cSld>
     <p:bg>
@@ -7343,7 +7394,7 @@
 </p:sld>
 </file>
 
-<file path=ppt/slides/slide7.xml><?xml version="1.0" encoding="utf-8"?>
+<file path=ppt/slides/slide15.xml><?xml version="1.0" encoding="utf-8"?>
 <p:sld xmlns:a="http://schemas.openxmlformats.org/drawingml/2006/main" xmlns:r="http://schemas.openxmlformats.org/officeDocument/2006/relationships" xmlns:p="http://schemas.openxmlformats.org/presentationml/2006/main">
   <p:cSld>
     <p:bg>
@@ -8165,7 +8216,7 @@
 </p:sld>
 </file>
 
-<file path=ppt/slides/slide8.xml><?xml version="1.0" encoding="utf-8"?>
+<file path=ppt/slides/slide16.xml><?xml version="1.0" encoding="utf-8"?>
 <p:sld xmlns:a="http://schemas.openxmlformats.org/drawingml/2006/main" xmlns:r="http://schemas.openxmlformats.org/officeDocument/2006/relationships" xmlns:p="http://schemas.openxmlformats.org/presentationml/2006/main">
   <p:cSld>
     <p:bg>
@@ -9038,7 +9089,7 @@
 </p:sld>
 </file>
 
-<file path=ppt/slides/slide9.xml><?xml version="1.0" encoding="utf-8"?>
+<file path=ppt/slides/slide17.xml><?xml version="1.0" encoding="utf-8"?>
 <p:sld xmlns:a="http://schemas.openxmlformats.org/drawingml/2006/main" xmlns:r="http://schemas.openxmlformats.org/officeDocument/2006/relationships" xmlns:p="http://schemas.openxmlformats.org/presentationml/2006/main">
   <p:cSld>
     <p:bg>
@@ -9606,6 +9657,3880 @@
     <p:extLst>
       <p:ext uri="{BB962C8B-B14F-4D97-AF65-F5344CB8AC3E}">
         <p14:creationId xmlns:p14="http://schemas.microsoft.com/office/powerpoint/2010/main" val="2159126481"/>
+      </p:ext>
+    </p:extLst>
+  </p:cSld>
+  <p:clrMapOvr>
+    <a:masterClrMapping/>
+  </p:clrMapOvr>
+</p:sld>
+</file>
+
+<file path=ppt/slides/slide2.xml><?xml version="1.0" encoding="utf-8"?>
+<p:sld xmlns:a="http://schemas.openxmlformats.org/drawingml/2006/main" xmlns:r="http://schemas.openxmlformats.org/officeDocument/2006/relationships" xmlns:p="http://schemas.openxmlformats.org/presentationml/2006/main">
+  <p:cSld>
+    <p:spTree>
+      <p:nvGrpSpPr>
+        <p:cNvPr id="1" name=""/>
+        <p:cNvGrpSpPr/>
+        <p:nvPr/>
+      </p:nvGrpSpPr>
+      <p:grpSpPr>
+        <a:xfrm>
+          <a:off x="0" y="0"/>
+          <a:ext cx="0" cy="0"/>
+          <a:chOff x="0" y="0"/>
+          <a:chExt cx="0" cy="0"/>
+        </a:xfrm>
+      </p:grpSpPr>
+      <p:sp>
+        <p:nvSpPr>
+          <p:cNvPr id="2" name="Título 1">
+            <a:extLst>
+              <a:ext uri="{FF2B5EF4-FFF2-40B4-BE49-F238E27FC236}">
+                <a16:creationId xmlns:a16="http://schemas.microsoft.com/office/drawing/2014/main" id="{FE37253A-D4C1-509C-0645-3425594040B5}"/>
+              </a:ext>
+            </a:extLst>
+          </p:cNvPr>
+          <p:cNvSpPr>
+            <a:spLocks noGrp="1"/>
+          </p:cNvSpPr>
+          <p:nvPr>
+            <p:ph type="title"/>
+          </p:nvPr>
+        </p:nvSpPr>
+        <p:spPr>
+          <a:xfrm>
+            <a:off x="514105" y="99299"/>
+            <a:ext cx="10515600" cy="1325563"/>
+          </a:xfrm>
+        </p:spPr>
+        <p:txBody>
+          <a:bodyPr/>
+          <a:lstStyle/>
+          <a:p>
+            <a:r>
+              <a:rPr lang="es-ES_tradnl" b="1" dirty="0"/>
+              <a:t>Perfil Socioeconómico</a:t>
+            </a:r>
+          </a:p>
+        </p:txBody>
+      </p:sp>
+      <p:sp>
+        <p:nvSpPr>
+          <p:cNvPr id="13" name="CuadroTexto 12">
+            <a:extLst>
+              <a:ext uri="{FF2B5EF4-FFF2-40B4-BE49-F238E27FC236}">
+                <a16:creationId xmlns:a16="http://schemas.microsoft.com/office/drawing/2014/main" id="{FF2EACB1-09ED-9DC6-9FB8-41E24F3EE8D8}"/>
+              </a:ext>
+            </a:extLst>
+          </p:cNvPr>
+          <p:cNvSpPr txBox="1"/>
+          <p:nvPr/>
+        </p:nvSpPr>
+        <p:spPr>
+          <a:xfrm>
+            <a:off x="8772650" y="1260676"/>
+            <a:ext cx="2905245" cy="1323439"/>
+          </a:xfrm>
+          <a:prstGeom prst="rect">
+            <a:avLst/>
+          </a:prstGeom>
+          <a:noFill/>
+        </p:spPr>
+        <p:txBody>
+          <a:bodyPr wrap="square" rtlCol="0">
+            <a:spAutoFit/>
+          </a:bodyPr>
+          <a:lstStyle/>
+          <a:p>
+            <a:r>
+              <a:rPr lang="es-ES_tradnl" sz="1600" b="1" dirty="0">
+                <a:solidFill>
+                  <a:srgbClr val="00B0F0"/>
+                </a:solidFill>
+              </a:rPr>
+              <a:t>CIUDADES PARTICIPANTES</a:t>
+            </a:r>
+          </a:p>
+          <a:p>
+            <a:r>
+              <a:rPr lang="es-ES_tradnl" sz="1600" b="1" dirty="0"/>
+              <a:t>Bogotá, D.C. 	49.22%</a:t>
+            </a:r>
+          </a:p>
+          <a:p>
+            <a:r>
+              <a:rPr lang="es-ES_tradnl" sz="1600" dirty="0"/>
+              <a:t>Medellín 		21.61%</a:t>
+            </a:r>
+          </a:p>
+          <a:p>
+            <a:r>
+              <a:rPr lang="es-ES_tradnl" sz="1600" dirty="0"/>
+              <a:t>Cali 		17.45%</a:t>
+            </a:r>
+          </a:p>
+          <a:p>
+            <a:r>
+              <a:rPr lang="es-ES_tradnl" sz="1600" dirty="0"/>
+              <a:t>Barranquilla 	11.72%</a:t>
+            </a:r>
+          </a:p>
+        </p:txBody>
+      </p:sp>
+      <p:pic>
+        <p:nvPicPr>
+          <p:cNvPr id="16" name="Imagen 15">
+            <a:extLst>
+              <a:ext uri="{FF2B5EF4-FFF2-40B4-BE49-F238E27FC236}">
+                <a16:creationId xmlns:a16="http://schemas.microsoft.com/office/drawing/2014/main" id="{25550745-E1F2-86B1-C992-ABBFBFD275EA}"/>
+              </a:ext>
+            </a:extLst>
+          </p:cNvPr>
+          <p:cNvPicPr>
+            <a:picLocks noChangeAspect="1"/>
+          </p:cNvPicPr>
+          <p:nvPr/>
+        </p:nvPicPr>
+        <p:blipFill>
+          <a:blip r:embed="rId2"/>
+          <a:stretch>
+            <a:fillRect/>
+          </a:stretch>
+        </p:blipFill>
+        <p:spPr>
+          <a:xfrm>
+            <a:off x="2528102" y="1260676"/>
+            <a:ext cx="5817243" cy="5817243"/>
+          </a:xfrm>
+          <a:prstGeom prst="rect">
+            <a:avLst/>
+          </a:prstGeom>
+        </p:spPr>
+      </p:pic>
+      <p:sp>
+        <p:nvSpPr>
+          <p:cNvPr id="18" name="CuadroTexto 17">
+            <a:extLst>
+              <a:ext uri="{FF2B5EF4-FFF2-40B4-BE49-F238E27FC236}">
+                <a16:creationId xmlns:a16="http://schemas.microsoft.com/office/drawing/2014/main" id="{62F52888-288B-9CFD-BBEA-0B1D0CCCCEB4}"/>
+              </a:ext>
+            </a:extLst>
+          </p:cNvPr>
+          <p:cNvSpPr txBox="1"/>
+          <p:nvPr/>
+        </p:nvSpPr>
+        <p:spPr>
+          <a:xfrm>
+            <a:off x="8345345" y="4718888"/>
+            <a:ext cx="2754775" cy="1323439"/>
+          </a:xfrm>
+          <a:prstGeom prst="rect">
+            <a:avLst/>
+          </a:prstGeom>
+          <a:noFill/>
+        </p:spPr>
+        <p:txBody>
+          <a:bodyPr wrap="square" rtlCol="0">
+            <a:spAutoFit/>
+          </a:bodyPr>
+          <a:lstStyle/>
+          <a:p>
+            <a:r>
+              <a:rPr lang="es-ES_tradnl" sz="1600" b="1" dirty="0">
+                <a:solidFill>
+                  <a:srgbClr val="00B0F0"/>
+                </a:solidFill>
+              </a:rPr>
+              <a:t>NIVEL SOCIO ECONÓMICO</a:t>
+            </a:r>
+          </a:p>
+          <a:p>
+            <a:r>
+              <a:rPr lang="es-ES_tradnl" sz="1600" dirty="0"/>
+              <a:t>Estrato 2.	31.51%</a:t>
+            </a:r>
+          </a:p>
+          <a:p>
+            <a:r>
+              <a:rPr lang="es-ES_tradnl" sz="1600" b="1" dirty="0"/>
+              <a:t>Estrato 3. 	41.15%</a:t>
+            </a:r>
+          </a:p>
+          <a:p>
+            <a:r>
+              <a:rPr lang="es-ES_tradnl" sz="1600" dirty="0"/>
+              <a:t>Estrato 4.	23.18%</a:t>
+            </a:r>
+          </a:p>
+          <a:p>
+            <a:r>
+              <a:rPr lang="es-ES_tradnl" sz="1600" dirty="0"/>
+              <a:t>Estrato 5.	4.15%</a:t>
+            </a:r>
+          </a:p>
+        </p:txBody>
+      </p:sp>
+      <p:sp>
+        <p:nvSpPr>
+          <p:cNvPr id="19" name="CuadroTexto 18">
+            <a:extLst>
+              <a:ext uri="{FF2B5EF4-FFF2-40B4-BE49-F238E27FC236}">
+                <a16:creationId xmlns:a16="http://schemas.microsoft.com/office/drawing/2014/main" id="{AF79873C-EDFC-D0A0-4F8D-EBA8EF61C3BF}"/>
+              </a:ext>
+            </a:extLst>
+          </p:cNvPr>
+          <p:cNvSpPr txBox="1"/>
+          <p:nvPr/>
+        </p:nvSpPr>
+        <p:spPr>
+          <a:xfrm>
+            <a:off x="514105" y="1690688"/>
+            <a:ext cx="2314937" cy="830997"/>
+          </a:xfrm>
+          <a:prstGeom prst="rect">
+            <a:avLst/>
+          </a:prstGeom>
+          <a:noFill/>
+        </p:spPr>
+        <p:txBody>
+          <a:bodyPr wrap="square" rtlCol="0">
+            <a:spAutoFit/>
+          </a:bodyPr>
+          <a:lstStyle/>
+          <a:p>
+            <a:r>
+              <a:rPr lang="es-ES_tradnl" sz="1600" b="1" dirty="0">
+                <a:solidFill>
+                  <a:srgbClr val="00B0F0"/>
+                </a:solidFill>
+              </a:rPr>
+              <a:t>GENERO</a:t>
+            </a:r>
+          </a:p>
+          <a:p>
+            <a:r>
+              <a:rPr lang="es-ES_tradnl" sz="1600" b="1" dirty="0"/>
+              <a:t>Mujer 	60.94%</a:t>
+            </a:r>
+          </a:p>
+          <a:p>
+            <a:r>
+              <a:rPr lang="es-ES_tradnl" sz="1600" dirty="0"/>
+              <a:t>Hombre 	39.04%</a:t>
+            </a:r>
+          </a:p>
+        </p:txBody>
+      </p:sp>
+      <p:sp>
+        <p:nvSpPr>
+          <p:cNvPr id="20" name="CuadroTexto 19">
+            <a:extLst>
+              <a:ext uri="{FF2B5EF4-FFF2-40B4-BE49-F238E27FC236}">
+                <a16:creationId xmlns:a16="http://schemas.microsoft.com/office/drawing/2014/main" id="{51E5FAF2-3FD7-8B7D-C9C9-8659D391B590}"/>
+              </a:ext>
+            </a:extLst>
+          </p:cNvPr>
+          <p:cNvSpPr txBox="1"/>
+          <p:nvPr/>
+        </p:nvSpPr>
+        <p:spPr>
+          <a:xfrm>
+            <a:off x="525682" y="4841999"/>
+            <a:ext cx="2314938" cy="1077218"/>
+          </a:xfrm>
+          <a:prstGeom prst="rect">
+            <a:avLst/>
+          </a:prstGeom>
+          <a:noFill/>
+        </p:spPr>
+        <p:txBody>
+          <a:bodyPr wrap="square" rtlCol="0">
+            <a:spAutoFit/>
+          </a:bodyPr>
+          <a:lstStyle/>
+          <a:p>
+            <a:r>
+              <a:rPr lang="es-ES_tradnl" sz="1600" b="1" dirty="0">
+                <a:solidFill>
+                  <a:srgbClr val="00B0F0"/>
+                </a:solidFill>
+              </a:rPr>
+              <a:t>RANGO DE EDADES</a:t>
+            </a:r>
+          </a:p>
+          <a:p>
+            <a:r>
+              <a:rPr lang="es-ES_tradnl" sz="1600" dirty="0"/>
+              <a:t>18 - 24 	11.45%</a:t>
+            </a:r>
+          </a:p>
+          <a:p>
+            <a:r>
+              <a:rPr lang="es-ES_tradnl" sz="1600" b="1" dirty="0"/>
+              <a:t>25 - 35 	47.13%</a:t>
+            </a:r>
+          </a:p>
+          <a:p>
+            <a:r>
+              <a:rPr lang="es-ES_tradnl" sz="1600" dirty="0"/>
+              <a:t>36 - 45 	41.40%</a:t>
+            </a:r>
+          </a:p>
+        </p:txBody>
+      </p:sp>
+      <p:cxnSp>
+        <p:nvCxnSpPr>
+          <p:cNvPr id="25" name="Conector curvado 24">
+            <a:extLst>
+              <a:ext uri="{FF2B5EF4-FFF2-40B4-BE49-F238E27FC236}">
+                <a16:creationId xmlns:a16="http://schemas.microsoft.com/office/drawing/2014/main" id="{705466BA-B316-0580-4054-8C3BAD29D56B}"/>
+              </a:ext>
+            </a:extLst>
+          </p:cNvPr>
+          <p:cNvCxnSpPr/>
+          <p:nvPr/>
+        </p:nvCxnSpPr>
+        <p:spPr>
+          <a:xfrm rot="10800000">
+            <a:off x="2528102" y="2222339"/>
+            <a:ext cx="1094774" cy="361776"/>
+          </a:xfrm>
+          <a:prstGeom prst="curvedConnector3">
+            <a:avLst/>
+          </a:prstGeom>
+          <a:ln w="57150" cap="flat" cmpd="sng" algn="ctr">
+            <a:solidFill>
+              <a:schemeClr val="dk1"/>
+            </a:solidFill>
+            <a:prstDash val="solid"/>
+            <a:round/>
+            <a:headEnd type="none" w="med" len="med"/>
+            <a:tailEnd type="arrow" w="med" len="med"/>
+          </a:ln>
+        </p:spPr>
+        <p:style>
+          <a:lnRef idx="0">
+            <a:scrgbClr r="0" g="0" b="0"/>
+          </a:lnRef>
+          <a:fillRef idx="0">
+            <a:scrgbClr r="0" g="0" b="0"/>
+          </a:fillRef>
+          <a:effectRef idx="0">
+            <a:scrgbClr r="0" g="0" b="0"/>
+          </a:effectRef>
+          <a:fontRef idx="minor">
+            <a:schemeClr val="tx1"/>
+          </a:fontRef>
+        </p:style>
+      </p:cxnSp>
+      <p:cxnSp>
+        <p:nvCxnSpPr>
+          <p:cNvPr id="27" name="Conector curvado 26">
+            <a:extLst>
+              <a:ext uri="{FF2B5EF4-FFF2-40B4-BE49-F238E27FC236}">
+                <a16:creationId xmlns:a16="http://schemas.microsoft.com/office/drawing/2014/main" id="{A646D826-BB4D-5887-2A94-3ED4EC7F39EA}"/>
+              </a:ext>
+            </a:extLst>
+          </p:cNvPr>
+          <p:cNvCxnSpPr>
+            <a:cxnSpLocks/>
+          </p:cNvCxnSpPr>
+          <p:nvPr/>
+        </p:nvCxnSpPr>
+        <p:spPr>
+          <a:xfrm rot="10800000">
+            <a:off x="2657356" y="5463251"/>
+            <a:ext cx="977098" cy="295496"/>
+          </a:xfrm>
+          <a:prstGeom prst="curvedConnector3">
+            <a:avLst/>
+          </a:prstGeom>
+          <a:ln w="57150" cap="flat" cmpd="sng" algn="ctr">
+            <a:solidFill>
+              <a:schemeClr val="dk1"/>
+            </a:solidFill>
+            <a:prstDash val="solid"/>
+            <a:round/>
+            <a:headEnd type="none" w="med" len="med"/>
+            <a:tailEnd type="arrow" w="med" len="med"/>
+          </a:ln>
+        </p:spPr>
+        <p:style>
+          <a:lnRef idx="0">
+            <a:scrgbClr r="0" g="0" b="0"/>
+          </a:lnRef>
+          <a:fillRef idx="0">
+            <a:scrgbClr r="0" g="0" b="0"/>
+          </a:fillRef>
+          <a:effectRef idx="0">
+            <a:scrgbClr r="0" g="0" b="0"/>
+          </a:effectRef>
+          <a:fontRef idx="minor">
+            <a:schemeClr val="tx1"/>
+          </a:fontRef>
+        </p:style>
+      </p:cxnSp>
+      <p:cxnSp>
+        <p:nvCxnSpPr>
+          <p:cNvPr id="30" name="Conector curvado 29">
+            <a:extLst>
+              <a:ext uri="{FF2B5EF4-FFF2-40B4-BE49-F238E27FC236}">
+                <a16:creationId xmlns:a16="http://schemas.microsoft.com/office/drawing/2014/main" id="{0A37D945-EFB9-FCA2-B4F9-E8A3BE539353}"/>
+              </a:ext>
+            </a:extLst>
+          </p:cNvPr>
+          <p:cNvCxnSpPr/>
+          <p:nvPr/>
+        </p:nvCxnSpPr>
+        <p:spPr>
+          <a:xfrm flipV="1">
+            <a:off x="7558268" y="1808765"/>
+            <a:ext cx="1099595" cy="648111"/>
+          </a:xfrm>
+          <a:prstGeom prst="curvedConnector3">
+            <a:avLst/>
+          </a:prstGeom>
+          <a:ln w="57150" cap="flat" cmpd="sng" algn="ctr">
+            <a:solidFill>
+              <a:schemeClr val="dk1"/>
+            </a:solidFill>
+            <a:prstDash val="solid"/>
+            <a:round/>
+            <a:headEnd type="none" w="med" len="med"/>
+            <a:tailEnd type="arrow" w="med" len="med"/>
+          </a:ln>
+        </p:spPr>
+        <p:style>
+          <a:lnRef idx="0">
+            <a:scrgbClr r="0" g="0" b="0"/>
+          </a:lnRef>
+          <a:fillRef idx="0">
+            <a:scrgbClr r="0" g="0" b="0"/>
+          </a:fillRef>
+          <a:effectRef idx="0">
+            <a:scrgbClr r="0" g="0" b="0"/>
+          </a:effectRef>
+          <a:fontRef idx="minor">
+            <a:schemeClr val="tx1"/>
+          </a:fontRef>
+        </p:style>
+      </p:cxnSp>
+      <p:cxnSp>
+        <p:nvCxnSpPr>
+          <p:cNvPr id="32" name="Conector curvado 31">
+            <a:extLst>
+              <a:ext uri="{FF2B5EF4-FFF2-40B4-BE49-F238E27FC236}">
+                <a16:creationId xmlns:a16="http://schemas.microsoft.com/office/drawing/2014/main" id="{443EA8E2-6DED-A96E-1518-9226EAB8967D}"/>
+              </a:ext>
+            </a:extLst>
+          </p:cNvPr>
+          <p:cNvCxnSpPr/>
+          <p:nvPr/>
+        </p:nvCxnSpPr>
+        <p:spPr>
+          <a:xfrm flipV="1">
+            <a:off x="6805914" y="5380607"/>
+            <a:ext cx="1388962" cy="538610"/>
+          </a:xfrm>
+          <a:prstGeom prst="curvedConnector3">
+            <a:avLst/>
+          </a:prstGeom>
+          <a:ln w="57150" cap="flat" cmpd="sng" algn="ctr">
+            <a:solidFill>
+              <a:schemeClr val="dk1"/>
+            </a:solidFill>
+            <a:prstDash val="solid"/>
+            <a:round/>
+            <a:headEnd type="none" w="med" len="med"/>
+            <a:tailEnd type="arrow" w="med" len="med"/>
+          </a:ln>
+        </p:spPr>
+        <p:style>
+          <a:lnRef idx="0">
+            <a:scrgbClr r="0" g="0" b="0"/>
+          </a:lnRef>
+          <a:fillRef idx="0">
+            <a:scrgbClr r="0" g="0" b="0"/>
+          </a:fillRef>
+          <a:effectRef idx="0">
+            <a:scrgbClr r="0" g="0" b="0"/>
+          </a:effectRef>
+          <a:fontRef idx="minor">
+            <a:schemeClr val="tx1"/>
+          </a:fontRef>
+        </p:style>
+      </p:cxnSp>
+      <p:pic>
+        <p:nvPicPr>
+          <p:cNvPr id="34" name="Imagen 33">
+            <a:extLst>
+              <a:ext uri="{FF2B5EF4-FFF2-40B4-BE49-F238E27FC236}">
+                <a16:creationId xmlns:a16="http://schemas.microsoft.com/office/drawing/2014/main" id="{90F6F621-131A-B429-2823-0025FA1E7BAF}"/>
+              </a:ext>
+            </a:extLst>
+          </p:cNvPr>
+          <p:cNvPicPr>
+            <a:picLocks noChangeAspect="1"/>
+          </p:cNvPicPr>
+          <p:nvPr/>
+        </p:nvPicPr>
+        <p:blipFill>
+          <a:blip r:embed="rId3"/>
+          <a:stretch>
+            <a:fillRect/>
+          </a:stretch>
+        </p:blipFill>
+        <p:spPr>
+          <a:xfrm>
+            <a:off x="4138551" y="1926095"/>
+            <a:ext cx="2897284" cy="1650874"/>
+          </a:xfrm>
+          <a:prstGeom prst="rect">
+            <a:avLst/>
+          </a:prstGeom>
+        </p:spPr>
+      </p:pic>
+    </p:spTree>
+    <p:extLst>
+      <p:ext uri="{BB962C8B-B14F-4D97-AF65-F5344CB8AC3E}">
+        <p14:creationId xmlns:p14="http://schemas.microsoft.com/office/powerpoint/2010/main" val="1858792759"/>
+      </p:ext>
+    </p:extLst>
+  </p:cSld>
+  <p:clrMapOvr>
+    <a:masterClrMapping/>
+  </p:clrMapOvr>
+</p:sld>
+</file>
+
+<file path=ppt/slides/slide3.xml><?xml version="1.0" encoding="utf-8"?>
+<p:sld xmlns:a="http://schemas.openxmlformats.org/drawingml/2006/main" xmlns:r="http://schemas.openxmlformats.org/officeDocument/2006/relationships" xmlns:p="http://schemas.openxmlformats.org/presentationml/2006/main">
+  <p:cSld>
+    <p:bg>
+      <p:bgPr>
+        <a:solidFill>
+          <a:schemeClr val="bg1"/>
+        </a:solidFill>
+        <a:effectLst/>
+      </p:bgPr>
+    </p:bg>
+    <p:spTree>
+      <p:nvGrpSpPr>
+        <p:cNvPr id="1" name=""/>
+        <p:cNvGrpSpPr/>
+        <p:nvPr/>
+      </p:nvGrpSpPr>
+      <p:grpSpPr>
+        <a:xfrm>
+          <a:off x="0" y="0"/>
+          <a:ext cx="0" cy="0"/>
+          <a:chOff x="0" y="0"/>
+          <a:chExt cx="0" cy="0"/>
+        </a:xfrm>
+      </p:grpSpPr>
+      <p:sp useBgFill="1">
+        <p:nvSpPr>
+          <p:cNvPr id="9" name="Rectangle 8">
+            <a:extLst>
+              <a:ext uri="{FF2B5EF4-FFF2-40B4-BE49-F238E27FC236}">
+                <a16:creationId xmlns:a16="http://schemas.microsoft.com/office/drawing/2014/main" id="{47942995-B07F-4636-9A06-C6A104B260A8}"/>
+              </a:ext>
+              <a:ext uri="{C183D7F6-B498-43B3-948B-1728B52AA6E4}">
+                <adec:decorative xmlns:adec="http://schemas.microsoft.com/office/drawing/2017/decorative" val="1"/>
+              </a:ext>
+            </a:extLst>
+          </p:cNvPr>
+          <p:cNvSpPr>
+            <a:spLocks noGrp="1" noRot="1" noChangeAspect="1" noMove="1" noResize="1" noEditPoints="1" noAdjustHandles="1" noChangeArrowheads="1" noChangeShapeType="1" noTextEdit="1"/>
+          </p:cNvSpPr>
+          <p:nvPr>
+            <p:extLst>
+              <p:ext uri="{386F3935-93C4-4BCD-93E2-E3B085C9AB24}">
+                <p16:designElem xmlns:p16="http://schemas.microsoft.com/office/powerpoint/2015/main" val="1"/>
+              </p:ext>
+            </p:extLst>
+          </p:nvPr>
+        </p:nvSpPr>
+        <p:spPr>
+          <a:xfrm>
+            <a:off x="0" y="0"/>
+            <a:ext cx="12191999" cy="6857365"/>
+          </a:xfrm>
+          <a:prstGeom prst="rect">
+            <a:avLst/>
+          </a:prstGeom>
+          <a:ln>
+            <a:noFill/>
+          </a:ln>
+        </p:spPr>
+        <p:style>
+          <a:lnRef idx="2">
+            <a:schemeClr val="accent1">
+              <a:shade val="50000"/>
+            </a:schemeClr>
+          </a:lnRef>
+          <a:fillRef idx="1">
+            <a:schemeClr val="accent1"/>
+          </a:fillRef>
+          <a:effectRef idx="0">
+            <a:schemeClr val="accent1"/>
+          </a:effectRef>
+          <a:fontRef idx="minor">
+            <a:schemeClr val="lt1"/>
+          </a:fontRef>
+        </p:style>
+        <p:txBody>
+          <a:bodyPr rtlCol="0" anchor="ctr"/>
+          <a:lstStyle/>
+          <a:p>
+            <a:pPr algn="ctr"/>
+            <a:endParaRPr lang="en-US"/>
+          </a:p>
+        </p:txBody>
+      </p:sp>
+      <p:grpSp>
+        <p:nvGrpSpPr>
+          <p:cNvPr id="11" name="Group 10">
+            <a:extLst>
+              <a:ext uri="{FF2B5EF4-FFF2-40B4-BE49-F238E27FC236}">
+                <a16:creationId xmlns:a16="http://schemas.microsoft.com/office/drawing/2014/main" id="{032D8612-31EB-44CF-A1D0-14FD4C705424}"/>
+              </a:ext>
+              <a:ext uri="{C183D7F6-B498-43B3-948B-1728B52AA6E4}">
+                <adec:decorative xmlns:adec="http://schemas.microsoft.com/office/drawing/2017/decorative" val="1"/>
+              </a:ext>
+            </a:extLst>
+          </p:cNvPr>
+          <p:cNvGrpSpPr>
+            <a:grpSpLocks noGrp="1" noUngrp="1" noRot="1" noChangeAspect="1" noMove="1" noResize="1"/>
+          </p:cNvGrpSpPr>
+          <p:nvPr>
+            <p:extLst>
+              <p:ext uri="{386F3935-93C4-4BCD-93E2-E3B085C9AB24}">
+                <p16:designElem xmlns:p16="http://schemas.microsoft.com/office/powerpoint/2015/main" val="1"/>
+              </p:ext>
+            </p:extLst>
+          </p:nvPr>
+        </p:nvGrpSpPr>
+        <p:grpSpPr>
+          <a:xfrm>
+            <a:off x="0" y="2984992"/>
+            <a:ext cx="731521" cy="673460"/>
+            <a:chOff x="3940602" y="308034"/>
+            <a:chExt cx="2116791" cy="3428999"/>
+          </a:xfrm>
+          <a:solidFill>
+            <a:schemeClr val="accent4"/>
+          </a:solidFill>
+        </p:grpSpPr>
+        <p:sp>
+          <p:nvSpPr>
+            <p:cNvPr id="12" name="Rectangle 11">
+              <a:extLst>
+                <a:ext uri="{FF2B5EF4-FFF2-40B4-BE49-F238E27FC236}">
+                  <a16:creationId xmlns:a16="http://schemas.microsoft.com/office/drawing/2014/main" id="{F19A4A0F-1B59-4DB0-9764-D10936E98770}"/>
+                </a:ext>
+                <a:ext uri="{C183D7F6-B498-43B3-948B-1728B52AA6E4}">
+                  <adec:decorative xmlns:adec="http://schemas.microsoft.com/office/drawing/2017/decorative" val="1"/>
+                </a:ext>
+              </a:extLst>
+            </p:cNvPr>
+            <p:cNvSpPr/>
+            <p:nvPr>
+              <p:extLst>
+                <p:ext uri="{386F3935-93C4-4BCD-93E2-E3B085C9AB24}">
+                  <p16:designElem xmlns:p16="http://schemas.microsoft.com/office/powerpoint/2015/main" val="1"/>
+                </p:ext>
+              </p:extLst>
+            </p:nvPr>
+          </p:nvSpPr>
+          <p:spPr>
+            <a:xfrm>
+              <a:off x="3940602" y="308034"/>
+              <a:ext cx="566743" cy="3428999"/>
+            </a:xfrm>
+            <a:prstGeom prst="rect">
+              <a:avLst/>
+            </a:prstGeom>
+            <a:grpFill/>
+            <a:ln>
+              <a:noFill/>
+            </a:ln>
+          </p:spPr>
+          <p:style>
+            <a:lnRef idx="2">
+              <a:schemeClr val="accent1">
+                <a:shade val="50000"/>
+              </a:schemeClr>
+            </a:lnRef>
+            <a:fillRef idx="1">
+              <a:schemeClr val="accent1"/>
+            </a:fillRef>
+            <a:effectRef idx="0">
+              <a:schemeClr val="accent1"/>
+            </a:effectRef>
+            <a:fontRef idx="minor">
+              <a:schemeClr val="lt1"/>
+            </a:fontRef>
+          </p:style>
+          <p:txBody>
+            <a:bodyPr rtlCol="0" anchor="ctr"/>
+            <a:lstStyle/>
+            <a:p>
+              <a:pPr algn="ctr"/>
+              <a:endParaRPr lang="en-US"/>
+            </a:p>
+          </p:txBody>
+        </p:sp>
+        <p:sp>
+          <p:nvSpPr>
+            <p:cNvPr id="13" name="Rectangle 12">
+              <a:extLst>
+                <a:ext uri="{FF2B5EF4-FFF2-40B4-BE49-F238E27FC236}">
+                  <a16:creationId xmlns:a16="http://schemas.microsoft.com/office/drawing/2014/main" id="{F399A70F-F8CD-4992-9EF5-6CF15472E73F}"/>
+                </a:ext>
+                <a:ext uri="{C183D7F6-B498-43B3-948B-1728B52AA6E4}">
+                  <adec:decorative xmlns:adec="http://schemas.microsoft.com/office/drawing/2017/decorative" val="1"/>
+                </a:ext>
+              </a:extLst>
+            </p:cNvPr>
+            <p:cNvSpPr/>
+            <p:nvPr>
+              <p:extLst>
+                <p:ext uri="{386F3935-93C4-4BCD-93E2-E3B085C9AB24}">
+                  <p16:designElem xmlns:p16="http://schemas.microsoft.com/office/powerpoint/2015/main" val="1"/>
+                </p:ext>
+              </p:extLst>
+            </p:nvPr>
+          </p:nvSpPr>
+          <p:spPr>
+            <a:xfrm>
+              <a:off x="4715626" y="308034"/>
+              <a:ext cx="566743" cy="3428999"/>
+            </a:xfrm>
+            <a:prstGeom prst="rect">
+              <a:avLst/>
+            </a:prstGeom>
+            <a:grpFill/>
+            <a:ln>
+              <a:noFill/>
+            </a:ln>
+          </p:spPr>
+          <p:style>
+            <a:lnRef idx="2">
+              <a:schemeClr val="accent1">
+                <a:shade val="50000"/>
+              </a:schemeClr>
+            </a:lnRef>
+            <a:fillRef idx="1">
+              <a:schemeClr val="accent1"/>
+            </a:fillRef>
+            <a:effectRef idx="0">
+              <a:schemeClr val="accent1"/>
+            </a:effectRef>
+            <a:fontRef idx="minor">
+              <a:schemeClr val="lt1"/>
+            </a:fontRef>
+          </p:style>
+          <p:txBody>
+            <a:bodyPr rtlCol="0" anchor="ctr"/>
+            <a:lstStyle/>
+            <a:p>
+              <a:pPr algn="ctr"/>
+              <a:endParaRPr lang="en-US"/>
+            </a:p>
+          </p:txBody>
+        </p:sp>
+        <p:sp>
+          <p:nvSpPr>
+            <p:cNvPr id="14" name="Rectangle 13">
+              <a:extLst>
+                <a:ext uri="{FF2B5EF4-FFF2-40B4-BE49-F238E27FC236}">
+                  <a16:creationId xmlns:a16="http://schemas.microsoft.com/office/drawing/2014/main" id="{48F4FEDC-6D80-458C-A665-075D9B9500FD}"/>
+                </a:ext>
+                <a:ext uri="{C183D7F6-B498-43B3-948B-1728B52AA6E4}">
+                  <adec:decorative xmlns:adec="http://schemas.microsoft.com/office/drawing/2017/decorative" val="1"/>
+                </a:ext>
+              </a:extLst>
+            </p:cNvPr>
+            <p:cNvSpPr/>
+            <p:nvPr>
+              <p:extLst>
+                <p:ext uri="{386F3935-93C4-4BCD-93E2-E3B085C9AB24}">
+                  <p16:designElem xmlns:p16="http://schemas.microsoft.com/office/powerpoint/2015/main" val="1"/>
+                </p:ext>
+              </p:extLst>
+            </p:nvPr>
+          </p:nvSpPr>
+          <p:spPr>
+            <a:xfrm>
+              <a:off x="5490650" y="308034"/>
+              <a:ext cx="566743" cy="3428999"/>
+            </a:xfrm>
+            <a:prstGeom prst="rect">
+              <a:avLst/>
+            </a:prstGeom>
+            <a:grpFill/>
+            <a:ln>
+              <a:noFill/>
+            </a:ln>
+          </p:spPr>
+          <p:style>
+            <a:lnRef idx="2">
+              <a:schemeClr val="accent1">
+                <a:shade val="50000"/>
+              </a:schemeClr>
+            </a:lnRef>
+            <a:fillRef idx="1">
+              <a:schemeClr val="accent1"/>
+            </a:fillRef>
+            <a:effectRef idx="0">
+              <a:schemeClr val="accent1"/>
+            </a:effectRef>
+            <a:fontRef idx="minor">
+              <a:schemeClr val="lt1"/>
+            </a:fontRef>
+          </p:style>
+          <p:txBody>
+            <a:bodyPr rtlCol="0" anchor="ctr"/>
+            <a:lstStyle/>
+            <a:p>
+              <a:pPr algn="ctr"/>
+              <a:endParaRPr lang="en-US"/>
+            </a:p>
+          </p:txBody>
+        </p:sp>
+      </p:grpSp>
+      <p:sp>
+        <p:nvSpPr>
+          <p:cNvPr id="16" name="Rectangle 15">
+            <a:extLst>
+              <a:ext uri="{FF2B5EF4-FFF2-40B4-BE49-F238E27FC236}">
+                <a16:creationId xmlns:a16="http://schemas.microsoft.com/office/drawing/2014/main" id="{B81933D1-5615-42C7-9C0B-4EB7105CCE2D}"/>
+              </a:ext>
+              <a:ext uri="{C183D7F6-B498-43B3-948B-1728B52AA6E4}">
+                <adec:decorative xmlns:adec="http://schemas.microsoft.com/office/drawing/2017/decorative" val="1"/>
+              </a:ext>
+            </a:extLst>
+          </p:cNvPr>
+          <p:cNvSpPr>
+            <a:spLocks noGrp="1" noRot="1" noChangeAspect="1" noMove="1" noResize="1" noEditPoints="1" noAdjustHandles="1" noChangeArrowheads="1" noChangeShapeType="1" noTextEdit="1"/>
+          </p:cNvSpPr>
+          <p:nvPr>
+            <p:extLst>
+              <p:ext uri="{386F3935-93C4-4BCD-93E2-E3B085C9AB24}">
+                <p16:designElem xmlns:p16="http://schemas.microsoft.com/office/powerpoint/2015/main" val="1"/>
+              </p:ext>
+            </p:extLst>
+          </p:nvPr>
+        </p:nvSpPr>
+        <p:spPr>
+          <a:xfrm flipH="1">
+            <a:off x="10697670" y="0"/>
+            <a:ext cx="1494330" cy="6858000"/>
+          </a:xfrm>
+          <a:prstGeom prst="rect">
+            <a:avLst/>
+          </a:prstGeom>
+          <a:solidFill>
+            <a:schemeClr val="accent4"/>
+          </a:solidFill>
+          <a:ln>
+            <a:noFill/>
+          </a:ln>
+        </p:spPr>
+        <p:style>
+          <a:lnRef idx="2">
+            <a:schemeClr val="accent1">
+              <a:shade val="50000"/>
+            </a:schemeClr>
+          </a:lnRef>
+          <a:fillRef idx="1">
+            <a:schemeClr val="accent1"/>
+          </a:fillRef>
+          <a:effectRef idx="0">
+            <a:schemeClr val="accent1"/>
+          </a:effectRef>
+          <a:fontRef idx="minor">
+            <a:schemeClr val="lt1"/>
+          </a:fontRef>
+        </p:style>
+        <p:txBody>
+          <a:bodyPr rtlCol="0" anchor="ctr"/>
+          <a:lstStyle/>
+          <a:p>
+            <a:pPr algn="ctr"/>
+            <a:endParaRPr lang="en-US"/>
+          </a:p>
+        </p:txBody>
+      </p:sp>
+      <p:sp>
+        <p:nvSpPr>
+          <p:cNvPr id="18" name="Rectangle 17">
+            <a:extLst>
+              <a:ext uri="{FF2B5EF4-FFF2-40B4-BE49-F238E27FC236}">
+                <a16:creationId xmlns:a16="http://schemas.microsoft.com/office/drawing/2014/main" id="{19C9EAEA-39D0-4B0E-A0EB-51E7B26740B1}"/>
+              </a:ext>
+              <a:ext uri="{C183D7F6-B498-43B3-948B-1728B52AA6E4}">
+                <adec:decorative xmlns:adec="http://schemas.microsoft.com/office/drawing/2017/decorative" val="1"/>
+              </a:ext>
+            </a:extLst>
+          </p:cNvPr>
+          <p:cNvSpPr>
+            <a:spLocks noGrp="1" noRot="1" noChangeAspect="1" noMove="1" noResize="1" noEditPoints="1" noAdjustHandles="1" noChangeArrowheads="1" noChangeShapeType="1" noTextEdit="1"/>
+          </p:cNvSpPr>
+          <p:nvPr>
+            <p:extLst>
+              <p:ext uri="{386F3935-93C4-4BCD-93E2-E3B085C9AB24}">
+                <p16:designElem xmlns:p16="http://schemas.microsoft.com/office/powerpoint/2015/main" val="1"/>
+              </p:ext>
+            </p:extLst>
+          </p:nvPr>
+        </p:nvSpPr>
+        <p:spPr>
+          <a:xfrm>
+            <a:off x="5685810" y="391886"/>
+            <a:ext cx="6009366" cy="6017078"/>
+          </a:xfrm>
+          <a:prstGeom prst="rect">
+            <a:avLst/>
+          </a:prstGeom>
+          <a:solidFill>
+            <a:schemeClr val="bg1"/>
+          </a:solidFill>
+          <a:ln>
+            <a:noFill/>
+          </a:ln>
+          <a:effectLst>
+            <a:outerShdw blurRad="139700" dist="127000" dir="5400000" algn="t" rotWithShape="0">
+              <a:prstClr val="black">
+                <a:alpha val="15000"/>
+              </a:prstClr>
+            </a:outerShdw>
+          </a:effectLst>
+        </p:spPr>
+        <p:style>
+          <a:lnRef idx="2">
+            <a:schemeClr val="accent1">
+              <a:shade val="50000"/>
+            </a:schemeClr>
+          </a:lnRef>
+          <a:fillRef idx="1">
+            <a:schemeClr val="accent1"/>
+          </a:fillRef>
+          <a:effectRef idx="0">
+            <a:schemeClr val="accent1"/>
+          </a:effectRef>
+          <a:fontRef idx="minor">
+            <a:schemeClr val="lt1"/>
+          </a:fontRef>
+        </p:style>
+        <p:txBody>
+          <a:bodyPr rtlCol="0" anchor="ctr"/>
+          <a:lstStyle/>
+          <a:p>
+            <a:pPr algn="ctr"/>
+            <a:endParaRPr lang="en-US"/>
+          </a:p>
+        </p:txBody>
+      </p:sp>
+      <p:pic>
+        <p:nvPicPr>
+          <p:cNvPr id="4" name="Imagen 3">
+            <a:extLst>
+              <a:ext uri="{FF2B5EF4-FFF2-40B4-BE49-F238E27FC236}">
+                <a16:creationId xmlns:a16="http://schemas.microsoft.com/office/drawing/2014/main" id="{4ABB8E44-40B3-244C-54B9-1C5AD74D9636}"/>
+              </a:ext>
+            </a:extLst>
+          </p:cNvPr>
+          <p:cNvPicPr>
+            <a:picLocks noChangeAspect="1"/>
+          </p:cNvPicPr>
+          <p:nvPr/>
+        </p:nvPicPr>
+        <p:blipFill>
+          <a:blip r:embed="rId2"/>
+          <a:stretch>
+            <a:fillRect/>
+          </a:stretch>
+        </p:blipFill>
+        <p:spPr>
+          <a:xfrm>
+            <a:off x="4079134" y="391886"/>
+            <a:ext cx="7616042" cy="6017078"/>
+          </a:xfrm>
+          <a:prstGeom prst="rect">
+            <a:avLst/>
+          </a:prstGeom>
+        </p:spPr>
+      </p:pic>
+      <p:sp>
+        <p:nvSpPr>
+          <p:cNvPr id="7" name="Título 1">
+            <a:extLst>
+              <a:ext uri="{FF2B5EF4-FFF2-40B4-BE49-F238E27FC236}">
+                <a16:creationId xmlns:a16="http://schemas.microsoft.com/office/drawing/2014/main" id="{C8E39CE9-D5C5-72C5-AE27-DD0B812EDAFB}"/>
+              </a:ext>
+            </a:extLst>
+          </p:cNvPr>
+          <p:cNvSpPr txBox="1">
+            <a:spLocks/>
+          </p:cNvSpPr>
+          <p:nvPr/>
+        </p:nvSpPr>
+        <p:spPr>
+          <a:xfrm>
+            <a:off x="463688" y="3045695"/>
+            <a:ext cx="4036334" cy="709460"/>
+          </a:xfrm>
+          <a:prstGeom prst="rect">
+            <a:avLst/>
+          </a:prstGeom>
+        </p:spPr>
+        <p:txBody>
+          <a:bodyPr vert="horz" lIns="91440" tIns="45720" rIns="91440" bIns="45720" rtlCol="0" anchor="ctr">
+            <a:normAutofit fontScale="92500" lnSpcReduction="20000"/>
+          </a:bodyPr>
+          <a:lstStyle>
+            <a:lvl1pPr algn="l" defTabSz="914400" rtl="0" eaLnBrk="1" latinLnBrk="0" hangingPunct="1">
+              <a:lnSpc>
+                <a:spcPct val="90000"/>
+              </a:lnSpc>
+              <a:spcBef>
+                <a:spcPct val="0"/>
+              </a:spcBef>
+              <a:buNone/>
+              <a:defRPr sz="4400" kern="1200">
+                <a:solidFill>
+                  <a:schemeClr val="tx1"/>
+                </a:solidFill>
+                <a:latin typeface="+mj-lt"/>
+                <a:ea typeface="+mj-ea"/>
+                <a:cs typeface="+mj-cs"/>
+              </a:defRPr>
+            </a:lvl1pPr>
+          </a:lstStyle>
+          <a:p>
+            <a:r>
+              <a:rPr lang="en-US" sz="5400" b="1" dirty="0" err="1"/>
+              <a:t>Diagnóstico</a:t>
+            </a:r>
+            <a:endParaRPr lang="en-US" sz="5400" b="1" dirty="0"/>
+          </a:p>
+        </p:txBody>
+      </p:sp>
+    </p:spTree>
+    <p:extLst>
+      <p:ext uri="{BB962C8B-B14F-4D97-AF65-F5344CB8AC3E}">
+        <p14:creationId xmlns:p14="http://schemas.microsoft.com/office/powerpoint/2010/main" val="3652639282"/>
+      </p:ext>
+    </p:extLst>
+  </p:cSld>
+  <p:clrMapOvr>
+    <a:masterClrMapping/>
+  </p:clrMapOvr>
+</p:sld>
+</file>
+
+<file path=ppt/slides/slide4.xml><?xml version="1.0" encoding="utf-8"?>
+<p:sld xmlns:a="http://schemas.openxmlformats.org/drawingml/2006/main" xmlns:r="http://schemas.openxmlformats.org/officeDocument/2006/relationships" xmlns:p="http://schemas.openxmlformats.org/presentationml/2006/main">
+  <p:cSld>
+    <p:bg>
+      <p:bgPr>
+        <a:solidFill>
+          <a:schemeClr val="bg1"/>
+        </a:solidFill>
+        <a:effectLst/>
+      </p:bgPr>
+    </p:bg>
+    <p:spTree>
+      <p:nvGrpSpPr>
+        <p:cNvPr id="1" name=""/>
+        <p:cNvGrpSpPr/>
+        <p:nvPr/>
+      </p:nvGrpSpPr>
+      <p:grpSpPr>
+        <a:xfrm>
+          <a:off x="0" y="0"/>
+          <a:ext cx="0" cy="0"/>
+          <a:chOff x="0" y="0"/>
+          <a:chExt cx="0" cy="0"/>
+        </a:xfrm>
+      </p:grpSpPr>
+      <p:graphicFrame>
+        <p:nvGraphicFramePr>
+          <p:cNvPr id="2" name="Tabla 1">
+            <a:extLst>
+              <a:ext uri="{FF2B5EF4-FFF2-40B4-BE49-F238E27FC236}">
+                <a16:creationId xmlns:a16="http://schemas.microsoft.com/office/drawing/2014/main" id="{4832DFCE-131B-C31C-DB79-1BFB179D24FC}"/>
+              </a:ext>
+            </a:extLst>
+          </p:cNvPr>
+          <p:cNvGraphicFramePr>
+            <a:graphicFrameLocks noGrp="1"/>
+          </p:cNvGraphicFramePr>
+          <p:nvPr>
+            <p:extLst>
+              <p:ext uri="{D42A27DB-BD31-4B8C-83A1-F6EECF244321}">
+                <p14:modId xmlns:p14="http://schemas.microsoft.com/office/powerpoint/2010/main" val="2600562810"/>
+              </p:ext>
+            </p:extLst>
+          </p:nvPr>
+        </p:nvGraphicFramePr>
+        <p:xfrm>
+          <a:off x="7597694" y="1224387"/>
+          <a:ext cx="3502428" cy="2965648"/>
+        </p:xfrm>
+        <a:graphic>
+          <a:graphicData uri="http://schemas.openxmlformats.org/drawingml/2006/table">
+            <a:tbl>
+              <a:tblPr firstRow="1" bandRow="1"/>
+              <a:tblGrid>
+                <a:gridCol w="1522080">
+                  <a:extLst>
+                    <a:ext uri="{9D8B030D-6E8A-4147-A177-3AD203B41FA5}">
+                      <a16:colId xmlns:a16="http://schemas.microsoft.com/office/drawing/2014/main" val="2647689508"/>
+                    </a:ext>
+                  </a:extLst>
+                </a:gridCol>
+                <a:gridCol w="541143">
+                  <a:extLst>
+                    <a:ext uri="{9D8B030D-6E8A-4147-A177-3AD203B41FA5}">
+                      <a16:colId xmlns:a16="http://schemas.microsoft.com/office/drawing/2014/main" val="1529962106"/>
+                    </a:ext>
+                  </a:extLst>
+                </a:gridCol>
+                <a:gridCol w="1439205">
+                  <a:extLst>
+                    <a:ext uri="{9D8B030D-6E8A-4147-A177-3AD203B41FA5}">
+                      <a16:colId xmlns:a16="http://schemas.microsoft.com/office/drawing/2014/main" val="2277944082"/>
+                    </a:ext>
+                  </a:extLst>
+                </a:gridCol>
+              </a:tblGrid>
+              <a:tr h="423664">
+                <a:tc>
+                  <a:txBody>
+                    <a:bodyPr/>
+                    <a:lstStyle/>
+                    <a:p>
+                      <a:pPr algn="ctr" fontAlgn="b"/>
+                      <a:r>
+                        <a:rPr lang="es-CO" sz="2000" b="1" i="0" u="none" strike="noStrike" dirty="0">
+                          <a:solidFill>
+                            <a:srgbClr val="00B0F0"/>
+                          </a:solidFill>
+                          <a:effectLst/>
+                          <a:latin typeface="+mn-lt"/>
+                        </a:rPr>
+                        <a:t>Marca</a:t>
+                      </a:r>
+                    </a:p>
+                  </a:txBody>
+                  <a:tcPr marL="26194" marR="26194" marT="26194" marB="0" anchor="b">
+                    <a:lnL>
+                      <a:noFill/>
+                    </a:lnL>
+                    <a:lnR>
+                      <a:noFill/>
+                    </a:lnR>
+                    <a:lnT>
+                      <a:noFill/>
+                    </a:lnT>
+                    <a:lnB>
+                      <a:noFill/>
+                    </a:lnB>
+                    <a:noFill/>
+                  </a:tcPr>
+                </a:tc>
+                <a:tc>
+                  <a:txBody>
+                    <a:bodyPr/>
+                    <a:lstStyle/>
+                    <a:p>
+                      <a:pPr algn="ctr" fontAlgn="b"/>
+                      <a:r>
+                        <a:rPr lang="es-CO" sz="2000" b="1" i="0" u="none" strike="noStrike" dirty="0">
+                          <a:solidFill>
+                            <a:srgbClr val="00B0F0"/>
+                          </a:solidFill>
+                          <a:effectLst/>
+                          <a:latin typeface="+mn-lt"/>
+                        </a:rPr>
+                        <a:t>n</a:t>
+                      </a:r>
+                    </a:p>
+                  </a:txBody>
+                  <a:tcPr marL="26194" marR="26194" marT="26194" marB="0" anchor="b">
+                    <a:lnL>
+                      <a:noFill/>
+                    </a:lnL>
+                    <a:lnR>
+                      <a:noFill/>
+                    </a:lnR>
+                    <a:lnT>
+                      <a:noFill/>
+                    </a:lnT>
+                    <a:lnB>
+                      <a:noFill/>
+                    </a:lnB>
+                    <a:noFill/>
+                  </a:tcPr>
+                </a:tc>
+                <a:tc>
+                  <a:txBody>
+                    <a:bodyPr/>
+                    <a:lstStyle/>
+                    <a:p>
+                      <a:pPr algn="ctr" fontAlgn="b"/>
+                      <a:r>
+                        <a:rPr lang="es-CO" sz="2000" b="1" i="0" u="none" strike="noStrike" dirty="0">
+                          <a:solidFill>
+                            <a:srgbClr val="00B0F0"/>
+                          </a:solidFill>
+                          <a:effectLst/>
+                          <a:latin typeface="+mn-lt"/>
+                        </a:rPr>
+                        <a:t>Porcentaje</a:t>
+                      </a:r>
+                    </a:p>
+                  </a:txBody>
+                  <a:tcPr marL="26194" marR="26194" marT="26194" marB="0" anchor="b">
+                    <a:lnL>
+                      <a:noFill/>
+                    </a:lnL>
+                    <a:lnR>
+                      <a:noFill/>
+                    </a:lnR>
+                    <a:lnT>
+                      <a:noFill/>
+                    </a:lnT>
+                    <a:lnB>
+                      <a:noFill/>
+                    </a:lnB>
+                    <a:noFill/>
+                  </a:tcPr>
+                </a:tc>
+                <a:extLst>
+                  <a:ext uri="{0D108BD9-81ED-4DB2-BD59-A6C34878D82A}">
+                    <a16:rowId xmlns:a16="http://schemas.microsoft.com/office/drawing/2014/main" val="656659266"/>
+                  </a:ext>
+                </a:extLst>
+              </a:tr>
+              <a:tr h="423664">
+                <a:tc>
+                  <a:txBody>
+                    <a:bodyPr/>
+                    <a:lstStyle/>
+                    <a:p>
+                      <a:pPr algn="l" fontAlgn="b"/>
+                      <a:r>
+                        <a:rPr lang="es-CO" sz="2000" b="1" i="0" u="none" strike="noStrike" dirty="0">
+                          <a:solidFill>
+                            <a:srgbClr val="000000"/>
+                          </a:solidFill>
+                          <a:effectLst/>
+                          <a:latin typeface="+mn-lt"/>
+                        </a:rPr>
+                        <a:t>Colgate</a:t>
+                      </a:r>
+                    </a:p>
+                  </a:txBody>
+                  <a:tcPr marL="26194" marR="26194" marT="26194" marB="0" anchor="b">
+                    <a:lnL>
+                      <a:noFill/>
+                    </a:lnL>
+                    <a:lnR>
+                      <a:noFill/>
+                    </a:lnR>
+                    <a:lnT>
+                      <a:noFill/>
+                    </a:lnT>
+                    <a:lnB>
+                      <a:noFill/>
+                    </a:lnB>
+                    <a:noFill/>
+                  </a:tcPr>
+                </a:tc>
+                <a:tc>
+                  <a:txBody>
+                    <a:bodyPr/>
+                    <a:lstStyle/>
+                    <a:p>
+                      <a:pPr algn="ctr" fontAlgn="b"/>
+                      <a:r>
+                        <a:rPr lang="es-CO" sz="2000" b="1" i="0" u="none" strike="noStrike" dirty="0">
+                          <a:solidFill>
+                            <a:srgbClr val="000000"/>
+                          </a:solidFill>
+                          <a:effectLst/>
+                          <a:latin typeface="+mn-lt"/>
+                        </a:rPr>
+                        <a:t>377</a:t>
+                      </a:r>
+                    </a:p>
+                  </a:txBody>
+                  <a:tcPr marL="26194" marR="26194" marT="26194" marB="0" anchor="b">
+                    <a:lnL>
+                      <a:noFill/>
+                    </a:lnL>
+                    <a:lnR>
+                      <a:noFill/>
+                    </a:lnR>
+                    <a:lnT>
+                      <a:noFill/>
+                    </a:lnT>
+                    <a:lnB>
+                      <a:noFill/>
+                    </a:lnB>
+                    <a:noFill/>
+                  </a:tcPr>
+                </a:tc>
+                <a:tc>
+                  <a:txBody>
+                    <a:bodyPr/>
+                    <a:lstStyle/>
+                    <a:p>
+                      <a:pPr algn="ctr" fontAlgn="b"/>
+                      <a:r>
+                        <a:rPr lang="es-CO" sz="2000" b="1" i="0" u="none" strike="noStrike" dirty="0">
+                          <a:solidFill>
+                            <a:srgbClr val="000000"/>
+                          </a:solidFill>
+                          <a:effectLst/>
+                          <a:latin typeface="+mn-lt"/>
+                        </a:rPr>
+                        <a:t>38,83%</a:t>
+                      </a:r>
+                    </a:p>
+                  </a:txBody>
+                  <a:tcPr marL="26194" marR="26194" marT="26194" marB="0" anchor="b">
+                    <a:lnL>
+                      <a:noFill/>
+                    </a:lnL>
+                    <a:lnR>
+                      <a:noFill/>
+                    </a:lnR>
+                    <a:lnT>
+                      <a:noFill/>
+                    </a:lnT>
+                    <a:lnB>
+                      <a:noFill/>
+                    </a:lnB>
+                    <a:noFill/>
+                  </a:tcPr>
+                </a:tc>
+                <a:extLst>
+                  <a:ext uri="{0D108BD9-81ED-4DB2-BD59-A6C34878D82A}">
+                    <a16:rowId xmlns:a16="http://schemas.microsoft.com/office/drawing/2014/main" val="3710413619"/>
+                  </a:ext>
+                </a:extLst>
+              </a:tr>
+              <a:tr h="423664">
+                <a:tc>
+                  <a:txBody>
+                    <a:bodyPr/>
+                    <a:lstStyle/>
+                    <a:p>
+                      <a:pPr algn="l" fontAlgn="b"/>
+                      <a:r>
+                        <a:rPr lang="es-CO" sz="2000" b="0" i="0" u="none" strike="noStrike" dirty="0">
+                          <a:solidFill>
+                            <a:srgbClr val="000000"/>
+                          </a:solidFill>
+                          <a:effectLst/>
+                          <a:latin typeface="+mn-lt"/>
+                        </a:rPr>
+                        <a:t>Oral-B</a:t>
+                      </a:r>
+                    </a:p>
+                  </a:txBody>
+                  <a:tcPr marL="26194" marR="26194" marT="26194" marB="0" anchor="b">
+                    <a:lnL>
+                      <a:noFill/>
+                    </a:lnL>
+                    <a:lnR>
+                      <a:noFill/>
+                    </a:lnR>
+                    <a:lnT>
+                      <a:noFill/>
+                    </a:lnT>
+                    <a:lnB>
+                      <a:noFill/>
+                    </a:lnB>
+                    <a:noFill/>
+                  </a:tcPr>
+                </a:tc>
+                <a:tc>
+                  <a:txBody>
+                    <a:bodyPr/>
+                    <a:lstStyle/>
+                    <a:p>
+                      <a:pPr algn="ctr" fontAlgn="b"/>
+                      <a:r>
+                        <a:rPr lang="es-CO" sz="2000" b="0" i="0" u="none" strike="noStrike" dirty="0">
+                          <a:solidFill>
+                            <a:srgbClr val="000000"/>
+                          </a:solidFill>
+                          <a:effectLst/>
+                          <a:latin typeface="+mn-lt"/>
+                        </a:rPr>
+                        <a:t>177</a:t>
+                      </a:r>
+                    </a:p>
+                  </a:txBody>
+                  <a:tcPr marL="26194" marR="26194" marT="26194" marB="0" anchor="b">
+                    <a:lnL>
+                      <a:noFill/>
+                    </a:lnL>
+                    <a:lnR>
+                      <a:noFill/>
+                    </a:lnR>
+                    <a:lnT>
+                      <a:noFill/>
+                    </a:lnT>
+                    <a:lnB>
+                      <a:noFill/>
+                    </a:lnB>
+                    <a:noFill/>
+                  </a:tcPr>
+                </a:tc>
+                <a:tc>
+                  <a:txBody>
+                    <a:bodyPr/>
+                    <a:lstStyle/>
+                    <a:p>
+                      <a:pPr algn="ctr" fontAlgn="b"/>
+                      <a:r>
+                        <a:rPr lang="es-CO" sz="2000" b="0" i="0" u="none" strike="noStrike" dirty="0">
+                          <a:solidFill>
+                            <a:srgbClr val="000000"/>
+                          </a:solidFill>
+                          <a:effectLst/>
+                          <a:latin typeface="+mn-lt"/>
+                        </a:rPr>
+                        <a:t>18,23%</a:t>
+                      </a:r>
+                    </a:p>
+                  </a:txBody>
+                  <a:tcPr marL="26194" marR="26194" marT="26194" marB="0" anchor="b">
+                    <a:lnL>
+                      <a:noFill/>
+                    </a:lnL>
+                    <a:lnR>
+                      <a:noFill/>
+                    </a:lnR>
+                    <a:lnT>
+                      <a:noFill/>
+                    </a:lnT>
+                    <a:lnB>
+                      <a:noFill/>
+                    </a:lnB>
+                    <a:noFill/>
+                  </a:tcPr>
+                </a:tc>
+                <a:extLst>
+                  <a:ext uri="{0D108BD9-81ED-4DB2-BD59-A6C34878D82A}">
+                    <a16:rowId xmlns:a16="http://schemas.microsoft.com/office/drawing/2014/main" val="2676701001"/>
+                  </a:ext>
+                </a:extLst>
+              </a:tr>
+              <a:tr h="423664">
+                <a:tc>
+                  <a:txBody>
+                    <a:bodyPr/>
+                    <a:lstStyle/>
+                    <a:p>
+                      <a:pPr algn="l" fontAlgn="b"/>
+                      <a:r>
+                        <a:rPr lang="es-CO" sz="2000" b="1" i="0" u="none" strike="noStrike" dirty="0" err="1">
+                          <a:solidFill>
+                            <a:srgbClr val="FF0000"/>
+                          </a:solidFill>
+                          <a:effectLst/>
+                          <a:latin typeface="+mn-lt"/>
+                        </a:rPr>
+                        <a:t>Fluocardent</a:t>
+                      </a:r>
+                      <a:endParaRPr lang="es-CO" sz="2000" b="1" i="0" u="none" strike="noStrike" dirty="0">
+                        <a:solidFill>
+                          <a:srgbClr val="FF0000"/>
+                        </a:solidFill>
+                        <a:effectLst/>
+                        <a:latin typeface="+mn-lt"/>
+                      </a:endParaRPr>
+                    </a:p>
+                  </a:txBody>
+                  <a:tcPr marL="26194" marR="26194" marT="26194" marB="0" anchor="b">
+                    <a:lnL>
+                      <a:noFill/>
+                    </a:lnL>
+                    <a:lnR>
+                      <a:noFill/>
+                    </a:lnR>
+                    <a:lnT>
+                      <a:noFill/>
+                    </a:lnT>
+                    <a:lnB>
+                      <a:noFill/>
+                    </a:lnB>
+                    <a:noFill/>
+                  </a:tcPr>
+                </a:tc>
+                <a:tc>
+                  <a:txBody>
+                    <a:bodyPr/>
+                    <a:lstStyle/>
+                    <a:p>
+                      <a:pPr algn="ctr" fontAlgn="b"/>
+                      <a:r>
+                        <a:rPr lang="es-CO" sz="2000" b="1" i="0" u="none" strike="noStrike" dirty="0">
+                          <a:solidFill>
+                            <a:srgbClr val="FF0000"/>
+                          </a:solidFill>
+                          <a:effectLst/>
+                          <a:latin typeface="+mn-lt"/>
+                        </a:rPr>
+                        <a:t>110</a:t>
+                      </a:r>
+                    </a:p>
+                  </a:txBody>
+                  <a:tcPr marL="26194" marR="26194" marT="26194" marB="0" anchor="b">
+                    <a:lnL>
+                      <a:noFill/>
+                    </a:lnL>
+                    <a:lnR>
+                      <a:noFill/>
+                    </a:lnR>
+                    <a:lnT>
+                      <a:noFill/>
+                    </a:lnT>
+                    <a:lnB>
+                      <a:noFill/>
+                    </a:lnB>
+                    <a:noFill/>
+                  </a:tcPr>
+                </a:tc>
+                <a:tc>
+                  <a:txBody>
+                    <a:bodyPr/>
+                    <a:lstStyle/>
+                    <a:p>
+                      <a:pPr algn="ctr" fontAlgn="b"/>
+                      <a:r>
+                        <a:rPr lang="es-CO" sz="2000" b="1" i="0" u="none" strike="noStrike" dirty="0">
+                          <a:solidFill>
+                            <a:srgbClr val="FF0000"/>
+                          </a:solidFill>
+                          <a:effectLst/>
+                          <a:latin typeface="+mn-lt"/>
+                        </a:rPr>
+                        <a:t>11,33%</a:t>
+                      </a:r>
+                    </a:p>
+                  </a:txBody>
+                  <a:tcPr marL="26194" marR="26194" marT="26194" marB="0" anchor="b">
+                    <a:lnL>
+                      <a:noFill/>
+                    </a:lnL>
+                    <a:lnR>
+                      <a:noFill/>
+                    </a:lnR>
+                    <a:lnT>
+                      <a:noFill/>
+                    </a:lnT>
+                    <a:lnB>
+                      <a:noFill/>
+                    </a:lnB>
+                    <a:noFill/>
+                  </a:tcPr>
+                </a:tc>
+                <a:extLst>
+                  <a:ext uri="{0D108BD9-81ED-4DB2-BD59-A6C34878D82A}">
+                    <a16:rowId xmlns:a16="http://schemas.microsoft.com/office/drawing/2014/main" val="3061552170"/>
+                  </a:ext>
+                </a:extLst>
+              </a:tr>
+              <a:tr h="423664">
+                <a:tc>
+                  <a:txBody>
+                    <a:bodyPr/>
+                    <a:lstStyle/>
+                    <a:p>
+                      <a:pPr algn="l" fontAlgn="b"/>
+                      <a:r>
+                        <a:rPr lang="es-CO" sz="2000" b="0" i="0" u="none" strike="noStrike">
+                          <a:solidFill>
+                            <a:srgbClr val="000000"/>
+                          </a:solidFill>
+                          <a:effectLst/>
+                          <a:latin typeface="+mn-lt"/>
+                        </a:rPr>
+                        <a:t>Fortident</a:t>
+                      </a:r>
+                    </a:p>
+                  </a:txBody>
+                  <a:tcPr marL="26194" marR="26194" marT="26194" marB="0" anchor="b">
+                    <a:lnL>
+                      <a:noFill/>
+                    </a:lnL>
+                    <a:lnR>
+                      <a:noFill/>
+                    </a:lnR>
+                    <a:lnT>
+                      <a:noFill/>
+                    </a:lnT>
+                    <a:lnB>
+                      <a:noFill/>
+                    </a:lnB>
+                    <a:noFill/>
+                  </a:tcPr>
+                </a:tc>
+                <a:tc>
+                  <a:txBody>
+                    <a:bodyPr/>
+                    <a:lstStyle/>
+                    <a:p>
+                      <a:pPr algn="ctr" fontAlgn="b"/>
+                      <a:r>
+                        <a:rPr lang="es-CO" sz="2000" b="0" i="0" u="none" strike="noStrike" dirty="0">
+                          <a:solidFill>
+                            <a:srgbClr val="000000"/>
+                          </a:solidFill>
+                          <a:effectLst/>
+                          <a:latin typeface="+mn-lt"/>
+                        </a:rPr>
+                        <a:t>93</a:t>
+                      </a:r>
+                    </a:p>
+                  </a:txBody>
+                  <a:tcPr marL="26194" marR="26194" marT="26194" marB="0" anchor="b">
+                    <a:lnL>
+                      <a:noFill/>
+                    </a:lnL>
+                    <a:lnR>
+                      <a:noFill/>
+                    </a:lnR>
+                    <a:lnT>
+                      <a:noFill/>
+                    </a:lnT>
+                    <a:lnB>
+                      <a:noFill/>
+                    </a:lnB>
+                    <a:noFill/>
+                  </a:tcPr>
+                </a:tc>
+                <a:tc>
+                  <a:txBody>
+                    <a:bodyPr/>
+                    <a:lstStyle/>
+                    <a:p>
+                      <a:pPr algn="ctr" fontAlgn="b"/>
+                      <a:r>
+                        <a:rPr lang="es-CO" sz="2000" b="0" i="0" u="none" strike="noStrike" dirty="0">
+                          <a:solidFill>
+                            <a:srgbClr val="000000"/>
+                          </a:solidFill>
+                          <a:effectLst/>
+                          <a:latin typeface="+mn-lt"/>
+                        </a:rPr>
+                        <a:t>9,58%</a:t>
+                      </a:r>
+                    </a:p>
+                  </a:txBody>
+                  <a:tcPr marL="26194" marR="26194" marT="26194" marB="0" anchor="b">
+                    <a:lnL>
+                      <a:noFill/>
+                    </a:lnL>
+                    <a:lnR>
+                      <a:noFill/>
+                    </a:lnR>
+                    <a:lnT>
+                      <a:noFill/>
+                    </a:lnT>
+                    <a:lnB>
+                      <a:noFill/>
+                    </a:lnB>
+                    <a:noFill/>
+                  </a:tcPr>
+                </a:tc>
+                <a:extLst>
+                  <a:ext uri="{0D108BD9-81ED-4DB2-BD59-A6C34878D82A}">
+                    <a16:rowId xmlns:a16="http://schemas.microsoft.com/office/drawing/2014/main" val="638573262"/>
+                  </a:ext>
+                </a:extLst>
+              </a:tr>
+              <a:tr h="423664">
+                <a:tc>
+                  <a:txBody>
+                    <a:bodyPr/>
+                    <a:lstStyle/>
+                    <a:p>
+                      <a:pPr algn="l" fontAlgn="b"/>
+                      <a:r>
+                        <a:rPr lang="es-CO" sz="2000" b="0" i="0" u="none" strike="noStrike" dirty="0" err="1">
+                          <a:solidFill>
+                            <a:srgbClr val="000000"/>
+                          </a:solidFill>
+                          <a:effectLst/>
+                          <a:latin typeface="+mn-lt"/>
+                        </a:rPr>
+                        <a:t>Bucarine</a:t>
+                      </a:r>
+                      <a:endParaRPr lang="es-CO" sz="2000" b="0" i="0" u="none" strike="noStrike" dirty="0">
+                        <a:solidFill>
+                          <a:srgbClr val="000000"/>
+                        </a:solidFill>
+                        <a:effectLst/>
+                        <a:latin typeface="+mn-lt"/>
+                      </a:endParaRPr>
+                    </a:p>
+                  </a:txBody>
+                  <a:tcPr marL="26194" marR="26194" marT="26194" marB="0" anchor="b">
+                    <a:lnL>
+                      <a:noFill/>
+                    </a:lnL>
+                    <a:lnR>
+                      <a:noFill/>
+                    </a:lnR>
+                    <a:lnT>
+                      <a:noFill/>
+                    </a:lnT>
+                    <a:lnB>
+                      <a:noFill/>
+                    </a:lnB>
+                    <a:noFill/>
+                  </a:tcPr>
+                </a:tc>
+                <a:tc>
+                  <a:txBody>
+                    <a:bodyPr/>
+                    <a:lstStyle/>
+                    <a:p>
+                      <a:pPr algn="ctr" fontAlgn="b"/>
+                      <a:r>
+                        <a:rPr lang="es-CO" sz="2000" b="0" i="0" u="none" strike="noStrike" dirty="0">
+                          <a:solidFill>
+                            <a:srgbClr val="000000"/>
+                          </a:solidFill>
+                          <a:effectLst/>
+                          <a:latin typeface="+mn-lt"/>
+                        </a:rPr>
+                        <a:t>22</a:t>
+                      </a:r>
+                    </a:p>
+                  </a:txBody>
+                  <a:tcPr marL="26194" marR="26194" marT="26194" marB="0" anchor="b">
+                    <a:lnL>
+                      <a:noFill/>
+                    </a:lnL>
+                    <a:lnR>
+                      <a:noFill/>
+                    </a:lnR>
+                    <a:lnT>
+                      <a:noFill/>
+                    </a:lnT>
+                    <a:lnB>
+                      <a:noFill/>
+                    </a:lnB>
+                    <a:noFill/>
+                  </a:tcPr>
+                </a:tc>
+                <a:tc>
+                  <a:txBody>
+                    <a:bodyPr/>
+                    <a:lstStyle/>
+                    <a:p>
+                      <a:pPr algn="ctr" fontAlgn="b"/>
+                      <a:r>
+                        <a:rPr lang="es-CO" sz="2000" b="0" i="0" u="none" strike="noStrike" dirty="0">
+                          <a:solidFill>
+                            <a:srgbClr val="000000"/>
+                          </a:solidFill>
+                          <a:effectLst/>
+                          <a:latin typeface="+mn-lt"/>
+                        </a:rPr>
+                        <a:t>2,27%</a:t>
+                      </a:r>
+                    </a:p>
+                  </a:txBody>
+                  <a:tcPr marL="26194" marR="26194" marT="26194" marB="0" anchor="b">
+                    <a:lnL>
+                      <a:noFill/>
+                    </a:lnL>
+                    <a:lnR>
+                      <a:noFill/>
+                    </a:lnR>
+                    <a:lnT>
+                      <a:noFill/>
+                    </a:lnT>
+                    <a:lnB>
+                      <a:noFill/>
+                    </a:lnB>
+                    <a:noFill/>
+                  </a:tcPr>
+                </a:tc>
+                <a:extLst>
+                  <a:ext uri="{0D108BD9-81ED-4DB2-BD59-A6C34878D82A}">
+                    <a16:rowId xmlns:a16="http://schemas.microsoft.com/office/drawing/2014/main" val="309675026"/>
+                  </a:ext>
+                </a:extLst>
+              </a:tr>
+              <a:tr h="423664">
+                <a:tc>
+                  <a:txBody>
+                    <a:bodyPr/>
+                    <a:lstStyle/>
+                    <a:p>
+                      <a:pPr algn="l" fontAlgn="b"/>
+                      <a:r>
+                        <a:rPr lang="es-CO" sz="2000" b="0" i="0" u="none" strike="noStrike" dirty="0" err="1">
+                          <a:solidFill>
+                            <a:srgbClr val="000000"/>
+                          </a:solidFill>
+                          <a:effectLst/>
+                          <a:latin typeface="+mn-lt"/>
+                        </a:rPr>
+                        <a:t>Kolynos</a:t>
+                      </a:r>
+                      <a:endParaRPr lang="es-CO" sz="2000" b="0" i="0" u="none" strike="noStrike" dirty="0">
+                        <a:solidFill>
+                          <a:srgbClr val="000000"/>
+                        </a:solidFill>
+                        <a:effectLst/>
+                        <a:latin typeface="+mn-lt"/>
+                      </a:endParaRPr>
+                    </a:p>
+                  </a:txBody>
+                  <a:tcPr marL="26194" marR="26194" marT="26194" marB="0" anchor="b">
+                    <a:lnL>
+                      <a:noFill/>
+                    </a:lnL>
+                    <a:lnR>
+                      <a:noFill/>
+                    </a:lnR>
+                    <a:lnT>
+                      <a:noFill/>
+                    </a:lnT>
+                    <a:lnB>
+                      <a:noFill/>
+                    </a:lnB>
+                    <a:noFill/>
+                  </a:tcPr>
+                </a:tc>
+                <a:tc>
+                  <a:txBody>
+                    <a:bodyPr/>
+                    <a:lstStyle/>
+                    <a:p>
+                      <a:pPr algn="ctr" fontAlgn="b"/>
+                      <a:r>
+                        <a:rPr lang="es-CO" sz="2000" b="0" i="0" u="none" strike="noStrike" dirty="0">
+                          <a:solidFill>
+                            <a:srgbClr val="000000"/>
+                          </a:solidFill>
+                          <a:effectLst/>
+                          <a:latin typeface="+mn-lt"/>
+                        </a:rPr>
+                        <a:t>11</a:t>
+                      </a:r>
+                    </a:p>
+                  </a:txBody>
+                  <a:tcPr marL="26194" marR="26194" marT="26194" marB="0" anchor="b">
+                    <a:lnL>
+                      <a:noFill/>
+                    </a:lnL>
+                    <a:lnR>
+                      <a:noFill/>
+                    </a:lnR>
+                    <a:lnT>
+                      <a:noFill/>
+                    </a:lnT>
+                    <a:lnB>
+                      <a:noFill/>
+                    </a:lnB>
+                    <a:noFill/>
+                  </a:tcPr>
+                </a:tc>
+                <a:tc>
+                  <a:txBody>
+                    <a:bodyPr/>
+                    <a:lstStyle/>
+                    <a:p>
+                      <a:pPr algn="ctr" fontAlgn="b"/>
+                      <a:r>
+                        <a:rPr lang="es-CO" sz="2000" b="0" i="0" u="none" strike="noStrike" dirty="0">
+                          <a:solidFill>
+                            <a:srgbClr val="000000"/>
+                          </a:solidFill>
+                          <a:effectLst/>
+                          <a:latin typeface="+mn-lt"/>
+                        </a:rPr>
+                        <a:t>1,13%</a:t>
+                      </a:r>
+                    </a:p>
+                  </a:txBody>
+                  <a:tcPr marL="26194" marR="26194" marT="26194" marB="0" anchor="b">
+                    <a:lnL>
+                      <a:noFill/>
+                    </a:lnL>
+                    <a:lnR>
+                      <a:noFill/>
+                    </a:lnR>
+                    <a:lnT>
+                      <a:noFill/>
+                    </a:lnT>
+                    <a:lnB>
+                      <a:noFill/>
+                    </a:lnB>
+                    <a:noFill/>
+                  </a:tcPr>
+                </a:tc>
+                <a:extLst>
+                  <a:ext uri="{0D108BD9-81ED-4DB2-BD59-A6C34878D82A}">
+                    <a16:rowId xmlns:a16="http://schemas.microsoft.com/office/drawing/2014/main" val="3985410640"/>
+                  </a:ext>
+                </a:extLst>
+              </a:tr>
+            </a:tbl>
+          </a:graphicData>
+        </a:graphic>
+      </p:graphicFrame>
+      <p:pic>
+        <p:nvPicPr>
+          <p:cNvPr id="4" name="Imagen 3">
+            <a:extLst>
+              <a:ext uri="{FF2B5EF4-FFF2-40B4-BE49-F238E27FC236}">
+                <a16:creationId xmlns:a16="http://schemas.microsoft.com/office/drawing/2014/main" id="{124939F2-D60A-02E9-7E4C-40A0B04EEBFC}"/>
+              </a:ext>
+            </a:extLst>
+          </p:cNvPr>
+          <p:cNvPicPr>
+            <a:picLocks noChangeAspect="1"/>
+          </p:cNvPicPr>
+          <p:nvPr/>
+        </p:nvPicPr>
+        <p:blipFill rotWithShape="1">
+          <a:blip r:embed="rId2"/>
+          <a:srcRect l="25181" t="22580" r="22501" b="22364"/>
+          <a:stretch/>
+        </p:blipFill>
+        <p:spPr>
+          <a:xfrm>
+            <a:off x="278983" y="278504"/>
+            <a:ext cx="6081783" cy="5696679"/>
+          </a:xfrm>
+          <a:prstGeom prst="rect">
+            <a:avLst/>
+          </a:prstGeom>
+        </p:spPr>
+      </p:pic>
+      <p:cxnSp>
+        <p:nvCxnSpPr>
+          <p:cNvPr id="5" name="Conector curvado 4">
+            <a:extLst>
+              <a:ext uri="{FF2B5EF4-FFF2-40B4-BE49-F238E27FC236}">
+                <a16:creationId xmlns:a16="http://schemas.microsoft.com/office/drawing/2014/main" id="{B1642C0C-F121-E8E5-626B-9D893CB01C7B}"/>
+              </a:ext>
+            </a:extLst>
+          </p:cNvPr>
+          <p:cNvCxnSpPr/>
+          <p:nvPr/>
+        </p:nvCxnSpPr>
+        <p:spPr>
+          <a:xfrm flipV="1">
+            <a:off x="5910505" y="2890390"/>
+            <a:ext cx="1388962" cy="538610"/>
+          </a:xfrm>
+          <a:prstGeom prst="curvedConnector3">
+            <a:avLst/>
+          </a:prstGeom>
+          <a:ln w="57150" cap="flat" cmpd="sng" algn="ctr">
+            <a:solidFill>
+              <a:schemeClr val="dk1"/>
+            </a:solidFill>
+            <a:prstDash val="solid"/>
+            <a:round/>
+            <a:headEnd type="none" w="med" len="med"/>
+            <a:tailEnd type="arrow" w="med" len="med"/>
+          </a:ln>
+        </p:spPr>
+        <p:style>
+          <a:lnRef idx="0">
+            <a:scrgbClr r="0" g="0" b="0"/>
+          </a:lnRef>
+          <a:fillRef idx="0">
+            <a:scrgbClr r="0" g="0" b="0"/>
+          </a:fillRef>
+          <a:effectRef idx="0">
+            <a:scrgbClr r="0" g="0" b="0"/>
+          </a:effectRef>
+          <a:fontRef idx="minor">
+            <a:schemeClr val="tx1"/>
+          </a:fontRef>
+        </p:style>
+      </p:cxnSp>
+      <p:sp>
+        <p:nvSpPr>
+          <p:cNvPr id="6" name="Rectángulo 5">
+            <a:extLst>
+              <a:ext uri="{FF2B5EF4-FFF2-40B4-BE49-F238E27FC236}">
+                <a16:creationId xmlns:a16="http://schemas.microsoft.com/office/drawing/2014/main" id="{C12775AB-28F5-834D-FAE4-C89FA2041488}"/>
+              </a:ext>
+            </a:extLst>
+          </p:cNvPr>
+          <p:cNvSpPr/>
+          <p:nvPr/>
+        </p:nvSpPr>
+        <p:spPr>
+          <a:xfrm>
+            <a:off x="0" y="6111433"/>
+            <a:ext cx="12192000" cy="746567"/>
+          </a:xfrm>
+          <a:prstGeom prst="rect">
+            <a:avLst/>
+          </a:prstGeom>
+          <a:solidFill>
+            <a:srgbClr val="0E9ED6"/>
+          </a:solidFill>
+          <a:ln>
+            <a:solidFill>
+              <a:srgbClr val="0E9ED6"/>
+            </a:solidFill>
+          </a:ln>
+        </p:spPr>
+        <p:style>
+          <a:lnRef idx="2">
+            <a:schemeClr val="accent1">
+              <a:shade val="15000"/>
+            </a:schemeClr>
+          </a:lnRef>
+          <a:fillRef idx="1">
+            <a:schemeClr val="accent1"/>
+          </a:fillRef>
+          <a:effectRef idx="0">
+            <a:schemeClr val="accent1"/>
+          </a:effectRef>
+          <a:fontRef idx="minor">
+            <a:schemeClr val="lt1"/>
+          </a:fontRef>
+        </p:style>
+        <p:txBody>
+          <a:bodyPr rtlCol="0" anchor="ctr"/>
+          <a:lstStyle/>
+          <a:p>
+            <a:pPr algn="ctr"/>
+            <a:endParaRPr lang="es-ES_tradnl"/>
+          </a:p>
+        </p:txBody>
+      </p:sp>
+      <p:sp>
+        <p:nvSpPr>
+          <p:cNvPr id="8" name="CuadroTexto 7">
+            <a:extLst>
+              <a:ext uri="{FF2B5EF4-FFF2-40B4-BE49-F238E27FC236}">
+                <a16:creationId xmlns:a16="http://schemas.microsoft.com/office/drawing/2014/main" id="{3A0C5CFD-5491-01D1-FB91-C5E8436A12FB}"/>
+              </a:ext>
+            </a:extLst>
+          </p:cNvPr>
+          <p:cNvSpPr txBox="1"/>
+          <p:nvPr/>
+        </p:nvSpPr>
+        <p:spPr>
+          <a:xfrm>
+            <a:off x="7597694" y="5728962"/>
+            <a:ext cx="3502428" cy="246221"/>
+          </a:xfrm>
+          <a:prstGeom prst="rect">
+            <a:avLst/>
+          </a:prstGeom>
+          <a:noFill/>
+        </p:spPr>
+        <p:txBody>
+          <a:bodyPr wrap="square">
+            <a:spAutoFit/>
+          </a:bodyPr>
+          <a:lstStyle/>
+          <a:p>
+            <a:r>
+              <a:rPr lang="es-CO" sz="1000" kern="0" dirty="0">
+                <a:solidFill>
+                  <a:schemeClr val="bg2"/>
+                </a:solidFill>
+                <a:effectLst/>
+                <a:ea typeface="Arial" panose="020B0604020202020204" pitchFamily="34" charset="0"/>
+              </a:rPr>
+              <a:t>¿Qué marcas de crema dental conoces o has oído nombrar? </a:t>
+            </a:r>
+            <a:endParaRPr lang="es-ES_tradnl" sz="1000" dirty="0">
+              <a:solidFill>
+                <a:schemeClr val="bg2"/>
+              </a:solidFill>
+            </a:endParaRPr>
+          </a:p>
+        </p:txBody>
+      </p:sp>
+    </p:spTree>
+    <p:extLst>
+      <p:ext uri="{BB962C8B-B14F-4D97-AF65-F5344CB8AC3E}">
+        <p14:creationId xmlns:p14="http://schemas.microsoft.com/office/powerpoint/2010/main" val="210263219"/>
+      </p:ext>
+    </p:extLst>
+  </p:cSld>
+  <p:clrMapOvr>
+    <a:masterClrMapping/>
+  </p:clrMapOvr>
+</p:sld>
+</file>
+
+<file path=ppt/slides/slide5.xml><?xml version="1.0" encoding="utf-8"?>
+<p:sld xmlns:a="http://schemas.openxmlformats.org/drawingml/2006/main" xmlns:r="http://schemas.openxmlformats.org/officeDocument/2006/relationships" xmlns:p="http://schemas.openxmlformats.org/presentationml/2006/main">
+  <p:cSld>
+    <p:bg>
+      <p:bgPr>
+        <a:solidFill>
+          <a:schemeClr val="bg1"/>
+        </a:solidFill>
+        <a:effectLst/>
+      </p:bgPr>
+    </p:bg>
+    <p:spTree>
+      <p:nvGrpSpPr>
+        <p:cNvPr id="1" name=""/>
+        <p:cNvGrpSpPr/>
+        <p:nvPr/>
+      </p:nvGrpSpPr>
+      <p:grpSpPr>
+        <a:xfrm>
+          <a:off x="0" y="0"/>
+          <a:ext cx="0" cy="0"/>
+          <a:chOff x="0" y="0"/>
+          <a:chExt cx="0" cy="0"/>
+        </a:xfrm>
+      </p:grpSpPr>
+      <p:cxnSp>
+        <p:nvCxnSpPr>
+          <p:cNvPr id="5" name="Conector curvado 4">
+            <a:extLst>
+              <a:ext uri="{FF2B5EF4-FFF2-40B4-BE49-F238E27FC236}">
+                <a16:creationId xmlns:a16="http://schemas.microsoft.com/office/drawing/2014/main" id="{B1642C0C-F121-E8E5-626B-9D893CB01C7B}"/>
+              </a:ext>
+            </a:extLst>
+          </p:cNvPr>
+          <p:cNvCxnSpPr/>
+          <p:nvPr/>
+        </p:nvCxnSpPr>
+        <p:spPr>
+          <a:xfrm flipV="1">
+            <a:off x="5910505" y="2890390"/>
+            <a:ext cx="1388962" cy="538610"/>
+          </a:xfrm>
+          <a:prstGeom prst="curvedConnector3">
+            <a:avLst/>
+          </a:prstGeom>
+          <a:ln w="57150" cap="flat" cmpd="sng" algn="ctr">
+            <a:solidFill>
+              <a:schemeClr val="dk1"/>
+            </a:solidFill>
+            <a:prstDash val="solid"/>
+            <a:round/>
+            <a:headEnd type="none" w="med" len="med"/>
+            <a:tailEnd type="arrow" w="med" len="med"/>
+          </a:ln>
+        </p:spPr>
+        <p:style>
+          <a:lnRef idx="0">
+            <a:scrgbClr r="0" g="0" b="0"/>
+          </a:lnRef>
+          <a:fillRef idx="0">
+            <a:scrgbClr r="0" g="0" b="0"/>
+          </a:fillRef>
+          <a:effectRef idx="0">
+            <a:scrgbClr r="0" g="0" b="0"/>
+          </a:effectRef>
+          <a:fontRef idx="minor">
+            <a:schemeClr val="tx1"/>
+          </a:fontRef>
+        </p:style>
+      </p:cxnSp>
+      <p:sp>
+        <p:nvSpPr>
+          <p:cNvPr id="6" name="Rectángulo 5">
+            <a:extLst>
+              <a:ext uri="{FF2B5EF4-FFF2-40B4-BE49-F238E27FC236}">
+                <a16:creationId xmlns:a16="http://schemas.microsoft.com/office/drawing/2014/main" id="{C12775AB-28F5-834D-FAE4-C89FA2041488}"/>
+              </a:ext>
+            </a:extLst>
+          </p:cNvPr>
+          <p:cNvSpPr/>
+          <p:nvPr/>
+        </p:nvSpPr>
+        <p:spPr>
+          <a:xfrm>
+            <a:off x="0" y="6111433"/>
+            <a:ext cx="12192000" cy="746567"/>
+          </a:xfrm>
+          <a:prstGeom prst="rect">
+            <a:avLst/>
+          </a:prstGeom>
+          <a:solidFill>
+            <a:srgbClr val="0E9ED6"/>
+          </a:solidFill>
+          <a:ln>
+            <a:solidFill>
+              <a:srgbClr val="0E9ED6"/>
+            </a:solidFill>
+          </a:ln>
+        </p:spPr>
+        <p:style>
+          <a:lnRef idx="2">
+            <a:schemeClr val="accent1">
+              <a:shade val="15000"/>
+            </a:schemeClr>
+          </a:lnRef>
+          <a:fillRef idx="1">
+            <a:schemeClr val="accent1"/>
+          </a:fillRef>
+          <a:effectRef idx="0">
+            <a:schemeClr val="accent1"/>
+          </a:effectRef>
+          <a:fontRef idx="minor">
+            <a:schemeClr val="lt1"/>
+          </a:fontRef>
+        </p:style>
+        <p:txBody>
+          <a:bodyPr rtlCol="0" anchor="ctr"/>
+          <a:lstStyle/>
+          <a:p>
+            <a:pPr algn="ctr"/>
+            <a:endParaRPr lang="es-ES_tradnl"/>
+          </a:p>
+        </p:txBody>
+      </p:sp>
+      <p:graphicFrame>
+        <p:nvGraphicFramePr>
+          <p:cNvPr id="3" name="Tabla 2">
+            <a:extLst>
+              <a:ext uri="{FF2B5EF4-FFF2-40B4-BE49-F238E27FC236}">
+                <a16:creationId xmlns:a16="http://schemas.microsoft.com/office/drawing/2014/main" id="{AE661772-1B4C-B630-AE33-A383E9286B19}"/>
+              </a:ext>
+            </a:extLst>
+          </p:cNvPr>
+          <p:cNvGraphicFramePr>
+            <a:graphicFrameLocks noGrp="1"/>
+          </p:cNvGraphicFramePr>
+          <p:nvPr>
+            <p:extLst>
+              <p:ext uri="{D42A27DB-BD31-4B8C-83A1-F6EECF244321}">
+                <p14:modId xmlns:p14="http://schemas.microsoft.com/office/powerpoint/2010/main" val="146666280"/>
+              </p:ext>
+            </p:extLst>
+          </p:nvPr>
+        </p:nvGraphicFramePr>
+        <p:xfrm>
+          <a:off x="7592992" y="1737938"/>
+          <a:ext cx="4158336" cy="2143659"/>
+        </p:xfrm>
+        <a:graphic>
+          <a:graphicData uri="http://schemas.openxmlformats.org/drawingml/2006/table">
+            <a:tbl>
+              <a:tblPr/>
+              <a:tblGrid>
+                <a:gridCol w="1473010">
+                  <a:extLst>
+                    <a:ext uri="{9D8B030D-6E8A-4147-A177-3AD203B41FA5}">
+                      <a16:colId xmlns:a16="http://schemas.microsoft.com/office/drawing/2014/main" val="83225750"/>
+                    </a:ext>
+                  </a:extLst>
+                </a:gridCol>
+                <a:gridCol w="1342663">
+                  <a:extLst>
+                    <a:ext uri="{9D8B030D-6E8A-4147-A177-3AD203B41FA5}">
+                      <a16:colId xmlns:a16="http://schemas.microsoft.com/office/drawing/2014/main" val="2789823178"/>
+                    </a:ext>
+                  </a:extLst>
+                </a:gridCol>
+                <a:gridCol w="1342663">
+                  <a:extLst>
+                    <a:ext uri="{9D8B030D-6E8A-4147-A177-3AD203B41FA5}">
+                      <a16:colId xmlns:a16="http://schemas.microsoft.com/office/drawing/2014/main" val="3010910845"/>
+                    </a:ext>
+                  </a:extLst>
+                </a:gridCol>
+              </a:tblGrid>
+              <a:tr h="556360">
+                <a:tc>
+                  <a:txBody>
+                    <a:bodyPr/>
+                    <a:lstStyle/>
+                    <a:p>
+                      <a:pPr marL="0" algn="ctr" defTabSz="914400" rtl="0" eaLnBrk="1" fontAlgn="b" latinLnBrk="0" hangingPunct="1"/>
+                      <a:r>
+                        <a:rPr lang="es-CO" sz="2000" b="1" i="0" u="none" strike="noStrike" kern="1200">
+                          <a:solidFill>
+                            <a:srgbClr val="00B0F0"/>
+                          </a:solidFill>
+                          <a:effectLst/>
+                          <a:latin typeface="+mn-lt"/>
+                          <a:ea typeface="+mn-ea"/>
+                          <a:cs typeface="+mn-cs"/>
+                        </a:rPr>
+                        <a:t>Marca</a:t>
+                      </a:r>
+                    </a:p>
+                  </a:txBody>
+                  <a:tcPr marL="9525" marR="9525" marT="9525" marB="0" anchor="b">
+                    <a:lnL>
+                      <a:noFill/>
+                    </a:lnL>
+                    <a:lnR>
+                      <a:noFill/>
+                    </a:lnR>
+                    <a:lnT>
+                      <a:noFill/>
+                    </a:lnT>
+                    <a:lnB>
+                      <a:noFill/>
+                    </a:lnB>
+                    <a:noFill/>
+                  </a:tcPr>
+                </a:tc>
+                <a:tc>
+                  <a:txBody>
+                    <a:bodyPr/>
+                    <a:lstStyle/>
+                    <a:p>
+                      <a:pPr marL="0" algn="ctr" defTabSz="914400" rtl="0" eaLnBrk="1" fontAlgn="b" latinLnBrk="0" hangingPunct="1"/>
+                      <a:r>
+                        <a:rPr lang="es-CO" sz="2000" b="1" i="0" u="none" strike="noStrike" kern="1200">
+                          <a:solidFill>
+                            <a:srgbClr val="00B0F0"/>
+                          </a:solidFill>
+                          <a:effectLst/>
+                          <a:latin typeface="+mn-lt"/>
+                          <a:ea typeface="+mn-ea"/>
+                          <a:cs typeface="+mn-cs"/>
+                        </a:rPr>
+                        <a:t>n</a:t>
+                      </a:r>
+                    </a:p>
+                  </a:txBody>
+                  <a:tcPr marL="9525" marR="9525" marT="9525" marB="0" anchor="b">
+                    <a:lnL>
+                      <a:noFill/>
+                    </a:lnL>
+                    <a:lnR>
+                      <a:noFill/>
+                    </a:lnR>
+                    <a:lnT>
+                      <a:noFill/>
+                    </a:lnT>
+                    <a:lnB>
+                      <a:noFill/>
+                    </a:lnB>
+                    <a:noFill/>
+                  </a:tcPr>
+                </a:tc>
+                <a:tc>
+                  <a:txBody>
+                    <a:bodyPr/>
+                    <a:lstStyle/>
+                    <a:p>
+                      <a:pPr marL="0" algn="ctr" defTabSz="914400" rtl="0" eaLnBrk="1" fontAlgn="b" latinLnBrk="0" hangingPunct="1"/>
+                      <a:r>
+                        <a:rPr lang="es-CO" sz="2000" b="1" i="0" u="none" strike="noStrike" kern="1200" dirty="0">
+                          <a:solidFill>
+                            <a:srgbClr val="00B0F0"/>
+                          </a:solidFill>
+                          <a:effectLst/>
+                          <a:latin typeface="+mn-lt"/>
+                          <a:ea typeface="+mn-ea"/>
+                          <a:cs typeface="+mn-cs"/>
+                        </a:rPr>
+                        <a:t>Porcentaje</a:t>
+                      </a:r>
+                    </a:p>
+                  </a:txBody>
+                  <a:tcPr marL="9525" marR="9525" marT="9525" marB="0" anchor="b">
+                    <a:lnL>
+                      <a:noFill/>
+                    </a:lnL>
+                    <a:lnR>
+                      <a:noFill/>
+                    </a:lnR>
+                    <a:lnT>
+                      <a:noFill/>
+                    </a:lnT>
+                    <a:lnB>
+                      <a:noFill/>
+                    </a:lnB>
+                    <a:noFill/>
+                  </a:tcPr>
+                </a:tc>
+                <a:extLst>
+                  <a:ext uri="{0D108BD9-81ED-4DB2-BD59-A6C34878D82A}">
+                    <a16:rowId xmlns:a16="http://schemas.microsoft.com/office/drawing/2014/main" val="142569679"/>
+                  </a:ext>
+                </a:extLst>
+              </a:tr>
+              <a:tr h="275282">
+                <a:tc>
+                  <a:txBody>
+                    <a:bodyPr/>
+                    <a:lstStyle/>
+                    <a:p>
+                      <a:pPr marL="0" algn="ctr" defTabSz="914400" rtl="0" eaLnBrk="1" fontAlgn="b" latinLnBrk="0" hangingPunct="1"/>
+                      <a:r>
+                        <a:rPr lang="es-CO" sz="2000" b="1" i="0" u="none" strike="noStrike" kern="1200" dirty="0">
+                          <a:solidFill>
+                            <a:schemeClr val="tx1"/>
+                          </a:solidFill>
+                          <a:effectLst/>
+                          <a:latin typeface="+mn-lt"/>
+                          <a:ea typeface="+mn-ea"/>
+                          <a:cs typeface="+mn-cs"/>
+                        </a:rPr>
+                        <a:t>Colgate</a:t>
+                      </a:r>
+                    </a:p>
+                  </a:txBody>
+                  <a:tcPr marL="9525" marR="9525" marT="9525" marB="0" anchor="b">
+                    <a:lnL>
+                      <a:noFill/>
+                    </a:lnL>
+                    <a:lnR>
+                      <a:noFill/>
+                    </a:lnR>
+                    <a:lnT>
+                      <a:noFill/>
+                    </a:lnT>
+                    <a:lnB>
+                      <a:noFill/>
+                    </a:lnB>
+                    <a:noFill/>
+                  </a:tcPr>
+                </a:tc>
+                <a:tc>
+                  <a:txBody>
+                    <a:bodyPr/>
+                    <a:lstStyle/>
+                    <a:p>
+                      <a:pPr marL="0" algn="ctr" defTabSz="914400" rtl="0" eaLnBrk="1" fontAlgn="b" latinLnBrk="0" hangingPunct="1"/>
+                      <a:r>
+                        <a:rPr lang="es-CO" sz="2000" b="1" i="0" u="none" strike="noStrike" kern="1200" dirty="0">
+                          <a:solidFill>
+                            <a:schemeClr val="tx1"/>
+                          </a:solidFill>
+                          <a:effectLst/>
+                          <a:latin typeface="+mn-lt"/>
+                          <a:ea typeface="+mn-ea"/>
+                          <a:cs typeface="+mn-cs"/>
+                        </a:rPr>
+                        <a:t>308</a:t>
+                      </a:r>
+                    </a:p>
+                  </a:txBody>
+                  <a:tcPr marL="9525" marR="9525" marT="9525" marB="0" anchor="b">
+                    <a:lnL>
+                      <a:noFill/>
+                    </a:lnL>
+                    <a:lnR>
+                      <a:noFill/>
+                    </a:lnR>
+                    <a:lnT>
+                      <a:noFill/>
+                    </a:lnT>
+                    <a:lnB>
+                      <a:noFill/>
+                    </a:lnB>
+                    <a:noFill/>
+                  </a:tcPr>
+                </a:tc>
+                <a:tc>
+                  <a:txBody>
+                    <a:bodyPr/>
+                    <a:lstStyle/>
+                    <a:p>
+                      <a:pPr marL="0" algn="ctr" defTabSz="914400" rtl="0" eaLnBrk="1" fontAlgn="b" latinLnBrk="0" hangingPunct="1"/>
+                      <a:r>
+                        <a:rPr lang="es-CO" sz="2000" b="1" i="0" u="none" strike="noStrike" kern="1200" dirty="0">
+                          <a:solidFill>
+                            <a:schemeClr val="tx1"/>
+                          </a:solidFill>
+                          <a:effectLst/>
+                          <a:latin typeface="+mn-lt"/>
+                          <a:ea typeface="+mn-ea"/>
+                          <a:cs typeface="+mn-cs"/>
+                        </a:rPr>
+                        <a:t>51,68%</a:t>
+                      </a:r>
+                    </a:p>
+                  </a:txBody>
+                  <a:tcPr marL="9525" marR="9525" marT="9525" marB="0" anchor="b">
+                    <a:lnL>
+                      <a:noFill/>
+                    </a:lnL>
+                    <a:lnR>
+                      <a:noFill/>
+                    </a:lnR>
+                    <a:lnT>
+                      <a:noFill/>
+                    </a:lnT>
+                    <a:lnB>
+                      <a:noFill/>
+                    </a:lnB>
+                    <a:noFill/>
+                  </a:tcPr>
+                </a:tc>
+                <a:extLst>
+                  <a:ext uri="{0D108BD9-81ED-4DB2-BD59-A6C34878D82A}">
+                    <a16:rowId xmlns:a16="http://schemas.microsoft.com/office/drawing/2014/main" val="1249829995"/>
+                  </a:ext>
+                </a:extLst>
+              </a:tr>
+              <a:tr h="238749">
+                <a:tc>
+                  <a:txBody>
+                    <a:bodyPr/>
+                    <a:lstStyle/>
+                    <a:p>
+                      <a:pPr marL="0" algn="ctr" defTabSz="914400" rtl="0" eaLnBrk="1" fontAlgn="b" latinLnBrk="0" hangingPunct="1"/>
+                      <a:r>
+                        <a:rPr lang="es-CO" sz="2000" b="1" i="0" u="none" strike="noStrike" kern="1200" dirty="0" err="1">
+                          <a:solidFill>
+                            <a:srgbClr val="FF0000"/>
+                          </a:solidFill>
+                          <a:effectLst/>
+                          <a:latin typeface="+mn-lt"/>
+                          <a:ea typeface="+mn-ea"/>
+                          <a:cs typeface="+mn-cs"/>
+                        </a:rPr>
+                        <a:t>Fluocardent</a:t>
+                      </a:r>
+                      <a:endParaRPr lang="es-CO" sz="2000" b="1" i="0" u="none" strike="noStrike" kern="1200" dirty="0">
+                        <a:solidFill>
+                          <a:srgbClr val="FF0000"/>
+                        </a:solidFill>
+                        <a:effectLst/>
+                        <a:latin typeface="+mn-lt"/>
+                        <a:ea typeface="+mn-ea"/>
+                        <a:cs typeface="+mn-cs"/>
+                      </a:endParaRPr>
+                    </a:p>
+                  </a:txBody>
+                  <a:tcPr marL="9525" marR="9525" marT="9525" marB="0" anchor="b">
+                    <a:lnL>
+                      <a:noFill/>
+                    </a:lnL>
+                    <a:lnR>
+                      <a:noFill/>
+                    </a:lnR>
+                    <a:lnT>
+                      <a:noFill/>
+                    </a:lnT>
+                    <a:lnB>
+                      <a:noFill/>
+                    </a:lnB>
+                    <a:noFill/>
+                  </a:tcPr>
+                </a:tc>
+                <a:tc>
+                  <a:txBody>
+                    <a:bodyPr/>
+                    <a:lstStyle/>
+                    <a:p>
+                      <a:pPr marL="0" algn="ctr" defTabSz="914400" rtl="0" eaLnBrk="1" fontAlgn="b" latinLnBrk="0" hangingPunct="1"/>
+                      <a:r>
+                        <a:rPr lang="es-CO" sz="2000" b="1" i="0" u="none" strike="noStrike" kern="1200" dirty="0">
+                          <a:solidFill>
+                            <a:srgbClr val="FF0000"/>
+                          </a:solidFill>
+                          <a:effectLst/>
+                          <a:latin typeface="+mn-lt"/>
+                          <a:ea typeface="+mn-ea"/>
+                          <a:cs typeface="+mn-cs"/>
+                        </a:rPr>
+                        <a:t>46</a:t>
+                      </a:r>
+                    </a:p>
+                  </a:txBody>
+                  <a:tcPr marL="9525" marR="9525" marT="9525" marB="0" anchor="b">
+                    <a:lnL>
+                      <a:noFill/>
+                    </a:lnL>
+                    <a:lnR>
+                      <a:noFill/>
+                    </a:lnR>
+                    <a:lnT>
+                      <a:noFill/>
+                    </a:lnT>
+                    <a:lnB>
+                      <a:noFill/>
+                    </a:lnB>
+                    <a:noFill/>
+                  </a:tcPr>
+                </a:tc>
+                <a:tc>
+                  <a:txBody>
+                    <a:bodyPr/>
+                    <a:lstStyle/>
+                    <a:p>
+                      <a:pPr marL="0" algn="ctr" defTabSz="914400" rtl="0" eaLnBrk="1" fontAlgn="b" latinLnBrk="0" hangingPunct="1"/>
+                      <a:r>
+                        <a:rPr lang="es-CO" sz="2000" b="1" i="0" u="none" strike="noStrike" kern="1200" dirty="0">
+                          <a:solidFill>
+                            <a:srgbClr val="FF0000"/>
+                          </a:solidFill>
+                          <a:effectLst/>
+                          <a:latin typeface="+mn-lt"/>
+                          <a:ea typeface="+mn-ea"/>
+                          <a:cs typeface="+mn-cs"/>
+                        </a:rPr>
+                        <a:t>7,72%</a:t>
+                      </a:r>
+                    </a:p>
+                  </a:txBody>
+                  <a:tcPr marL="9525" marR="9525" marT="9525" marB="0" anchor="b">
+                    <a:lnL>
+                      <a:noFill/>
+                    </a:lnL>
+                    <a:lnR>
+                      <a:noFill/>
+                    </a:lnR>
+                    <a:lnT>
+                      <a:noFill/>
+                    </a:lnT>
+                    <a:lnB>
+                      <a:noFill/>
+                    </a:lnB>
+                    <a:noFill/>
+                  </a:tcPr>
+                </a:tc>
+                <a:extLst>
+                  <a:ext uri="{0D108BD9-81ED-4DB2-BD59-A6C34878D82A}">
+                    <a16:rowId xmlns:a16="http://schemas.microsoft.com/office/drawing/2014/main" val="2323156686"/>
+                  </a:ext>
+                </a:extLst>
+              </a:tr>
+              <a:tr h="329999">
+                <a:tc>
+                  <a:txBody>
+                    <a:bodyPr/>
+                    <a:lstStyle/>
+                    <a:p>
+                      <a:pPr marL="0" algn="ctr" defTabSz="914400" rtl="0" eaLnBrk="1" fontAlgn="b" latinLnBrk="0" hangingPunct="1"/>
+                      <a:r>
+                        <a:rPr lang="es-CO" sz="2000" b="0" i="0" u="none" strike="noStrike" kern="1200" dirty="0">
+                          <a:solidFill>
+                            <a:schemeClr val="tx1"/>
+                          </a:solidFill>
+                          <a:effectLst/>
+                          <a:latin typeface="+mn-lt"/>
+                          <a:ea typeface="+mn-ea"/>
+                          <a:cs typeface="+mn-cs"/>
+                        </a:rPr>
+                        <a:t>Fortident</a:t>
+                      </a:r>
+                    </a:p>
+                  </a:txBody>
+                  <a:tcPr marL="9525" marR="9525" marT="9525" marB="0" anchor="b">
+                    <a:lnL>
+                      <a:noFill/>
+                    </a:lnL>
+                    <a:lnR>
+                      <a:noFill/>
+                    </a:lnR>
+                    <a:lnT>
+                      <a:noFill/>
+                    </a:lnT>
+                    <a:lnB>
+                      <a:noFill/>
+                    </a:lnB>
+                    <a:noFill/>
+                  </a:tcPr>
+                </a:tc>
+                <a:tc>
+                  <a:txBody>
+                    <a:bodyPr/>
+                    <a:lstStyle/>
+                    <a:p>
+                      <a:pPr marL="0" algn="ctr" defTabSz="914400" rtl="0" eaLnBrk="1" fontAlgn="b" latinLnBrk="0" hangingPunct="1"/>
+                      <a:r>
+                        <a:rPr lang="es-CO" sz="2000" b="0" i="0" u="none" strike="noStrike" kern="1200" dirty="0">
+                          <a:solidFill>
+                            <a:schemeClr val="tx1"/>
+                          </a:solidFill>
+                          <a:effectLst/>
+                          <a:latin typeface="+mn-lt"/>
+                          <a:ea typeface="+mn-ea"/>
+                          <a:cs typeface="+mn-cs"/>
+                        </a:rPr>
+                        <a:t>28</a:t>
+                      </a:r>
+                    </a:p>
+                  </a:txBody>
+                  <a:tcPr marL="9525" marR="9525" marT="9525" marB="0" anchor="b">
+                    <a:lnL>
+                      <a:noFill/>
+                    </a:lnL>
+                    <a:lnR>
+                      <a:noFill/>
+                    </a:lnR>
+                    <a:lnT>
+                      <a:noFill/>
+                    </a:lnT>
+                    <a:lnB>
+                      <a:noFill/>
+                    </a:lnB>
+                    <a:noFill/>
+                  </a:tcPr>
+                </a:tc>
+                <a:tc>
+                  <a:txBody>
+                    <a:bodyPr/>
+                    <a:lstStyle/>
+                    <a:p>
+                      <a:pPr marL="0" algn="ctr" defTabSz="914400" rtl="0" eaLnBrk="1" fontAlgn="b" latinLnBrk="0" hangingPunct="1"/>
+                      <a:r>
+                        <a:rPr lang="es-CO" sz="2000" b="0" i="0" u="none" strike="noStrike" kern="1200" dirty="0">
+                          <a:solidFill>
+                            <a:schemeClr val="tx1"/>
+                          </a:solidFill>
+                          <a:effectLst/>
+                          <a:latin typeface="+mn-lt"/>
+                          <a:ea typeface="+mn-ea"/>
+                          <a:cs typeface="+mn-cs"/>
+                        </a:rPr>
+                        <a:t>4,70%</a:t>
+                      </a:r>
+                    </a:p>
+                  </a:txBody>
+                  <a:tcPr marL="9525" marR="9525" marT="9525" marB="0" anchor="b">
+                    <a:lnL>
+                      <a:noFill/>
+                    </a:lnL>
+                    <a:lnR>
+                      <a:noFill/>
+                    </a:lnR>
+                    <a:lnT>
+                      <a:noFill/>
+                    </a:lnT>
+                    <a:lnB>
+                      <a:noFill/>
+                    </a:lnB>
+                    <a:noFill/>
+                  </a:tcPr>
+                </a:tc>
+                <a:extLst>
+                  <a:ext uri="{0D108BD9-81ED-4DB2-BD59-A6C34878D82A}">
+                    <a16:rowId xmlns:a16="http://schemas.microsoft.com/office/drawing/2014/main" val="1655998632"/>
+                  </a:ext>
+                </a:extLst>
+              </a:tr>
+              <a:tr h="277331">
+                <a:tc>
+                  <a:txBody>
+                    <a:bodyPr/>
+                    <a:lstStyle/>
+                    <a:p>
+                      <a:pPr marL="0" algn="ctr" defTabSz="914400" rtl="0" eaLnBrk="1" fontAlgn="b" latinLnBrk="0" hangingPunct="1"/>
+                      <a:r>
+                        <a:rPr lang="es-CO" sz="2000" b="0" i="0" u="none" strike="noStrike" kern="1200">
+                          <a:solidFill>
+                            <a:schemeClr val="tx1"/>
+                          </a:solidFill>
+                          <a:effectLst/>
+                          <a:latin typeface="+mn-lt"/>
+                          <a:ea typeface="+mn-ea"/>
+                          <a:cs typeface="+mn-cs"/>
+                        </a:rPr>
+                        <a:t>Oral-B</a:t>
+                      </a:r>
+                    </a:p>
+                  </a:txBody>
+                  <a:tcPr marL="9525" marR="9525" marT="9525" marB="0" anchor="b">
+                    <a:lnL>
+                      <a:noFill/>
+                    </a:lnL>
+                    <a:lnR>
+                      <a:noFill/>
+                    </a:lnR>
+                    <a:lnT>
+                      <a:noFill/>
+                    </a:lnT>
+                    <a:lnB>
+                      <a:noFill/>
+                    </a:lnB>
+                    <a:noFill/>
+                  </a:tcPr>
+                </a:tc>
+                <a:tc>
+                  <a:txBody>
+                    <a:bodyPr/>
+                    <a:lstStyle/>
+                    <a:p>
+                      <a:pPr marL="0" algn="ctr" defTabSz="914400" rtl="0" eaLnBrk="1" fontAlgn="b" latinLnBrk="0" hangingPunct="1"/>
+                      <a:r>
+                        <a:rPr lang="es-CO" sz="2000" b="0" i="0" u="none" strike="noStrike" kern="1200">
+                          <a:solidFill>
+                            <a:schemeClr val="tx1"/>
+                          </a:solidFill>
+                          <a:effectLst/>
+                          <a:latin typeface="+mn-lt"/>
+                          <a:ea typeface="+mn-ea"/>
+                          <a:cs typeface="+mn-cs"/>
+                        </a:rPr>
+                        <a:t>106</a:t>
+                      </a:r>
+                    </a:p>
+                  </a:txBody>
+                  <a:tcPr marL="9525" marR="9525" marT="9525" marB="0" anchor="b">
+                    <a:lnL>
+                      <a:noFill/>
+                    </a:lnL>
+                    <a:lnR>
+                      <a:noFill/>
+                    </a:lnR>
+                    <a:lnT>
+                      <a:noFill/>
+                    </a:lnT>
+                    <a:lnB>
+                      <a:noFill/>
+                    </a:lnB>
+                    <a:noFill/>
+                  </a:tcPr>
+                </a:tc>
+                <a:tc>
+                  <a:txBody>
+                    <a:bodyPr/>
+                    <a:lstStyle/>
+                    <a:p>
+                      <a:pPr marL="0" algn="ctr" defTabSz="914400" rtl="0" eaLnBrk="1" fontAlgn="b" latinLnBrk="0" hangingPunct="1"/>
+                      <a:r>
+                        <a:rPr lang="es-CO" sz="2000" b="0" i="0" u="none" strike="noStrike" kern="1200" dirty="0">
+                          <a:solidFill>
+                            <a:schemeClr val="tx1"/>
+                          </a:solidFill>
+                          <a:effectLst/>
+                          <a:latin typeface="+mn-lt"/>
+                          <a:ea typeface="+mn-ea"/>
+                          <a:cs typeface="+mn-cs"/>
+                        </a:rPr>
+                        <a:t>17,79%</a:t>
+                      </a:r>
+                    </a:p>
+                  </a:txBody>
+                  <a:tcPr marL="9525" marR="9525" marT="9525" marB="0" anchor="b">
+                    <a:lnL>
+                      <a:noFill/>
+                    </a:lnL>
+                    <a:lnR>
+                      <a:noFill/>
+                    </a:lnR>
+                    <a:lnT>
+                      <a:noFill/>
+                    </a:lnT>
+                    <a:lnB>
+                      <a:noFill/>
+                    </a:lnB>
+                    <a:noFill/>
+                  </a:tcPr>
+                </a:tc>
+                <a:extLst>
+                  <a:ext uri="{0D108BD9-81ED-4DB2-BD59-A6C34878D82A}">
+                    <a16:rowId xmlns:a16="http://schemas.microsoft.com/office/drawing/2014/main" val="1738977619"/>
+                  </a:ext>
+                </a:extLst>
+              </a:tr>
+              <a:tr h="227378">
+                <a:tc>
+                  <a:txBody>
+                    <a:bodyPr/>
+                    <a:lstStyle/>
+                    <a:p>
+                      <a:pPr marL="0" algn="ctr" defTabSz="914400" rtl="0" eaLnBrk="1" fontAlgn="b" latinLnBrk="0" hangingPunct="1"/>
+                      <a:r>
+                        <a:rPr lang="es-CO" sz="2000" b="0" i="0" u="none" strike="noStrike" kern="1200">
+                          <a:solidFill>
+                            <a:schemeClr val="tx1"/>
+                          </a:solidFill>
+                          <a:effectLst/>
+                          <a:latin typeface="+mn-lt"/>
+                          <a:ea typeface="+mn-ea"/>
+                          <a:cs typeface="+mn-cs"/>
+                        </a:rPr>
+                        <a:t>Sensodyne</a:t>
+                      </a:r>
+                    </a:p>
+                  </a:txBody>
+                  <a:tcPr marL="9525" marR="9525" marT="9525" marB="0" anchor="b">
+                    <a:lnL>
+                      <a:noFill/>
+                    </a:lnL>
+                    <a:lnR>
+                      <a:noFill/>
+                    </a:lnR>
+                    <a:lnT>
+                      <a:noFill/>
+                    </a:lnT>
+                    <a:lnB>
+                      <a:noFill/>
+                    </a:lnB>
+                    <a:noFill/>
+                  </a:tcPr>
+                </a:tc>
+                <a:tc>
+                  <a:txBody>
+                    <a:bodyPr/>
+                    <a:lstStyle/>
+                    <a:p>
+                      <a:pPr marL="0" algn="ctr" defTabSz="914400" rtl="0" eaLnBrk="1" fontAlgn="b" latinLnBrk="0" hangingPunct="1"/>
+                      <a:r>
+                        <a:rPr lang="es-CO" sz="2000" b="0" i="0" u="none" strike="noStrike" kern="1200" dirty="0">
+                          <a:solidFill>
+                            <a:schemeClr val="tx1"/>
+                          </a:solidFill>
+                          <a:effectLst/>
+                          <a:latin typeface="+mn-lt"/>
+                          <a:ea typeface="+mn-ea"/>
+                          <a:cs typeface="+mn-cs"/>
+                        </a:rPr>
+                        <a:t>51</a:t>
+                      </a:r>
+                    </a:p>
+                  </a:txBody>
+                  <a:tcPr marL="9525" marR="9525" marT="9525" marB="0" anchor="b">
+                    <a:lnL>
+                      <a:noFill/>
+                    </a:lnL>
+                    <a:lnR>
+                      <a:noFill/>
+                    </a:lnR>
+                    <a:lnT>
+                      <a:noFill/>
+                    </a:lnT>
+                    <a:lnB>
+                      <a:noFill/>
+                    </a:lnB>
+                    <a:noFill/>
+                  </a:tcPr>
+                </a:tc>
+                <a:tc>
+                  <a:txBody>
+                    <a:bodyPr/>
+                    <a:lstStyle/>
+                    <a:p>
+                      <a:pPr marL="0" algn="ctr" defTabSz="914400" rtl="0" eaLnBrk="1" fontAlgn="b" latinLnBrk="0" hangingPunct="1"/>
+                      <a:r>
+                        <a:rPr lang="es-CO" sz="2000" b="0" i="0" u="none" strike="noStrike" kern="1200" dirty="0">
+                          <a:solidFill>
+                            <a:schemeClr val="tx1"/>
+                          </a:solidFill>
+                          <a:effectLst/>
+                          <a:latin typeface="+mn-lt"/>
+                          <a:ea typeface="+mn-ea"/>
+                          <a:cs typeface="+mn-cs"/>
+                        </a:rPr>
+                        <a:t>8,56%</a:t>
+                      </a:r>
+                    </a:p>
+                  </a:txBody>
+                  <a:tcPr marL="9525" marR="9525" marT="9525" marB="0" anchor="b">
+                    <a:lnL>
+                      <a:noFill/>
+                    </a:lnL>
+                    <a:lnR>
+                      <a:noFill/>
+                    </a:lnR>
+                    <a:lnT>
+                      <a:noFill/>
+                    </a:lnT>
+                    <a:lnB>
+                      <a:noFill/>
+                    </a:lnB>
+                    <a:noFill/>
+                  </a:tcPr>
+                </a:tc>
+                <a:extLst>
+                  <a:ext uri="{0D108BD9-81ED-4DB2-BD59-A6C34878D82A}">
+                    <a16:rowId xmlns:a16="http://schemas.microsoft.com/office/drawing/2014/main" val="3820143838"/>
+                  </a:ext>
+                </a:extLst>
+              </a:tr>
+            </a:tbl>
+          </a:graphicData>
+        </a:graphic>
+      </p:graphicFrame>
+      <p:pic>
+        <p:nvPicPr>
+          <p:cNvPr id="10" name="Imagen 9">
+            <a:extLst>
+              <a:ext uri="{FF2B5EF4-FFF2-40B4-BE49-F238E27FC236}">
+                <a16:creationId xmlns:a16="http://schemas.microsoft.com/office/drawing/2014/main" id="{ECD0558A-16F0-F980-689D-EFF0AB759569}"/>
+              </a:ext>
+            </a:extLst>
+          </p:cNvPr>
+          <p:cNvPicPr>
+            <a:picLocks noChangeAspect="1"/>
+          </p:cNvPicPr>
+          <p:nvPr/>
+        </p:nvPicPr>
+        <p:blipFill>
+          <a:blip r:embed="rId2"/>
+          <a:stretch>
+            <a:fillRect/>
+          </a:stretch>
+        </p:blipFill>
+        <p:spPr>
+          <a:xfrm>
+            <a:off x="325099" y="1737938"/>
+            <a:ext cx="5592822" cy="5592822"/>
+          </a:xfrm>
+          <a:prstGeom prst="rect">
+            <a:avLst/>
+          </a:prstGeom>
+        </p:spPr>
+      </p:pic>
+      <p:sp>
+        <p:nvSpPr>
+          <p:cNvPr id="11" name="Rectángulo 10">
+            <a:extLst>
+              <a:ext uri="{FF2B5EF4-FFF2-40B4-BE49-F238E27FC236}">
+                <a16:creationId xmlns:a16="http://schemas.microsoft.com/office/drawing/2014/main" id="{87B04D0D-FA53-3835-AF5C-BBC3BED55961}"/>
+              </a:ext>
+            </a:extLst>
+          </p:cNvPr>
+          <p:cNvSpPr/>
+          <p:nvPr/>
+        </p:nvSpPr>
+        <p:spPr>
+          <a:xfrm>
+            <a:off x="983847" y="1737938"/>
+            <a:ext cx="4585707" cy="1848412"/>
+          </a:xfrm>
+          <a:prstGeom prst="rect">
+            <a:avLst/>
+          </a:prstGeom>
+          <a:solidFill>
+            <a:srgbClr val="A2DBFF"/>
+          </a:solidFill>
+          <a:ln>
+            <a:noFill/>
+          </a:ln>
+          <a:effectLst>
+            <a:softEdge rad="0"/>
+          </a:effectLst>
+        </p:spPr>
+        <p:style>
+          <a:lnRef idx="2">
+            <a:schemeClr val="accent1">
+              <a:shade val="15000"/>
+            </a:schemeClr>
+          </a:lnRef>
+          <a:fillRef idx="1">
+            <a:schemeClr val="accent1"/>
+          </a:fillRef>
+          <a:effectRef idx="0">
+            <a:schemeClr val="accent1"/>
+          </a:effectRef>
+          <a:fontRef idx="minor">
+            <a:schemeClr val="lt1"/>
+          </a:fontRef>
+        </p:style>
+        <p:txBody>
+          <a:bodyPr rtlCol="0" anchor="ctr"/>
+          <a:lstStyle/>
+          <a:p>
+            <a:pPr algn="ctr"/>
+            <a:endParaRPr lang="es-ES_tradnl" dirty="0"/>
+          </a:p>
+        </p:txBody>
+      </p:sp>
+      <p:sp>
+        <p:nvSpPr>
+          <p:cNvPr id="12" name="CuadroTexto 11">
+            <a:extLst>
+              <a:ext uri="{FF2B5EF4-FFF2-40B4-BE49-F238E27FC236}">
+                <a16:creationId xmlns:a16="http://schemas.microsoft.com/office/drawing/2014/main" id="{D7688AF0-757E-0B36-8C1D-DEDE029B3553}"/>
+              </a:ext>
+            </a:extLst>
+          </p:cNvPr>
+          <p:cNvSpPr txBox="1"/>
+          <p:nvPr/>
+        </p:nvSpPr>
+        <p:spPr>
+          <a:xfrm>
+            <a:off x="1351965" y="1877314"/>
+            <a:ext cx="3176994" cy="1569660"/>
+          </a:xfrm>
+          <a:prstGeom prst="rect">
+            <a:avLst/>
+          </a:prstGeom>
+          <a:noFill/>
+        </p:spPr>
+        <p:txBody>
+          <a:bodyPr wrap="square" rtlCol="0">
+            <a:spAutoFit/>
+          </a:bodyPr>
+          <a:lstStyle/>
+          <a:p>
+            <a:pPr algn="ctr"/>
+            <a:r>
+              <a:rPr lang="es-ES_tradnl" sz="4800" b="1" dirty="0">
+                <a:latin typeface="+mj-lt"/>
+              </a:rPr>
+              <a:t>Publicidad</a:t>
+            </a:r>
+            <a:r>
+              <a:rPr lang="es-ES_tradnl" sz="4800" b="1" dirty="0">
+                <a:solidFill>
+                  <a:srgbClr val="FF0000"/>
+                </a:solidFill>
+                <a:latin typeface="+mj-lt"/>
+              </a:rPr>
+              <a:t> </a:t>
+            </a:r>
+          </a:p>
+          <a:p>
+            <a:pPr algn="ctr"/>
+            <a:r>
+              <a:rPr lang="es-ES_tradnl" sz="4800" b="1" dirty="0">
+                <a:solidFill>
+                  <a:srgbClr val="FF0000"/>
+                </a:solidFill>
+                <a:latin typeface="+mj-lt"/>
+              </a:rPr>
+              <a:t>84.11%</a:t>
+            </a:r>
+          </a:p>
+        </p:txBody>
+      </p:sp>
+      <p:sp>
+        <p:nvSpPr>
+          <p:cNvPr id="13" name="CuadroTexto 12">
+            <a:extLst>
+              <a:ext uri="{FF2B5EF4-FFF2-40B4-BE49-F238E27FC236}">
+                <a16:creationId xmlns:a16="http://schemas.microsoft.com/office/drawing/2014/main" id="{58EC61FE-E2B9-AEBD-F144-2475892CC634}"/>
+              </a:ext>
+            </a:extLst>
+          </p:cNvPr>
+          <p:cNvSpPr txBox="1"/>
+          <p:nvPr/>
+        </p:nvSpPr>
+        <p:spPr>
+          <a:xfrm>
+            <a:off x="181144" y="198398"/>
+            <a:ext cx="5729361" cy="400110"/>
+          </a:xfrm>
+          <a:prstGeom prst="rect">
+            <a:avLst/>
+          </a:prstGeom>
+          <a:noFill/>
+        </p:spPr>
+        <p:txBody>
+          <a:bodyPr wrap="square" rtlCol="0">
+            <a:spAutoFit/>
+          </a:bodyPr>
+          <a:lstStyle/>
+          <a:p>
+            <a:r>
+              <a:rPr lang="es-CO" sz="1000" kern="0" dirty="0">
+                <a:solidFill>
+                  <a:schemeClr val="bg2"/>
+                </a:solidFill>
+                <a:effectLst/>
+                <a:ea typeface="Arial" panose="020B0604020202020204" pitchFamily="34" charset="0"/>
+              </a:rPr>
+              <a:t>En los últimos 3 meses recuerdas haber visto u oído publicidad de marcas de crema dental en televisión, radio, vallas, periódicos, revistas, paraderos de buses o cualquier otro medio</a:t>
+            </a:r>
+            <a:r>
+              <a:rPr lang="es-CO" sz="1000" dirty="0">
+                <a:solidFill>
+                  <a:schemeClr val="bg2"/>
+                </a:solidFill>
+                <a:effectLst/>
+              </a:rPr>
+              <a:t> </a:t>
+            </a:r>
+            <a:endParaRPr lang="es-ES_tradnl" sz="1000" dirty="0">
+              <a:solidFill>
+                <a:schemeClr val="bg2"/>
+              </a:solidFill>
+            </a:endParaRPr>
+          </a:p>
+        </p:txBody>
+      </p:sp>
+      <p:sp>
+        <p:nvSpPr>
+          <p:cNvPr id="15" name="CuadroTexto 14">
+            <a:extLst>
+              <a:ext uri="{FF2B5EF4-FFF2-40B4-BE49-F238E27FC236}">
+                <a16:creationId xmlns:a16="http://schemas.microsoft.com/office/drawing/2014/main" id="{6D795EE5-20B1-B3E4-723A-315DF25B25F1}"/>
+              </a:ext>
+            </a:extLst>
+          </p:cNvPr>
+          <p:cNvSpPr txBox="1"/>
+          <p:nvPr/>
+        </p:nvSpPr>
+        <p:spPr>
+          <a:xfrm>
+            <a:off x="6599178" y="5830972"/>
+            <a:ext cx="5592822" cy="246221"/>
+          </a:xfrm>
+          <a:prstGeom prst="rect">
+            <a:avLst/>
+          </a:prstGeom>
+          <a:noFill/>
+        </p:spPr>
+        <p:txBody>
+          <a:bodyPr wrap="square">
+            <a:spAutoFit/>
+          </a:bodyPr>
+          <a:lstStyle/>
+          <a:p>
+            <a:r>
+              <a:rPr lang="es-CO" sz="1000" kern="0" dirty="0">
+                <a:solidFill>
+                  <a:schemeClr val="bg2"/>
+                </a:solidFill>
+                <a:effectLst/>
+                <a:ea typeface="Arial" panose="020B0604020202020204" pitchFamily="34" charset="0"/>
+              </a:rPr>
+              <a:t>¿De qué marcas de crema dental recuerdas haber visto u oído publicidad en los últimos 6 meses? </a:t>
+            </a:r>
+            <a:endParaRPr lang="es-ES_tradnl" sz="1000" dirty="0">
+              <a:solidFill>
+                <a:schemeClr val="bg2"/>
+              </a:solidFill>
+            </a:endParaRPr>
+          </a:p>
+        </p:txBody>
+      </p:sp>
+    </p:spTree>
+    <p:extLst>
+      <p:ext uri="{BB962C8B-B14F-4D97-AF65-F5344CB8AC3E}">
+        <p14:creationId xmlns:p14="http://schemas.microsoft.com/office/powerpoint/2010/main" val="3801064034"/>
+      </p:ext>
+    </p:extLst>
+  </p:cSld>
+  <p:clrMapOvr>
+    <a:masterClrMapping/>
+  </p:clrMapOvr>
+</p:sld>
+</file>
+
+<file path=ppt/slides/slide6.xml><?xml version="1.0" encoding="utf-8"?>
+<p:sld xmlns:a="http://schemas.openxmlformats.org/drawingml/2006/main" xmlns:r="http://schemas.openxmlformats.org/officeDocument/2006/relationships" xmlns:p="http://schemas.openxmlformats.org/presentationml/2006/main">
+  <p:cSld>
+    <p:bg>
+      <p:bgPr>
+        <a:solidFill>
+          <a:schemeClr val="bg1"/>
+        </a:solidFill>
+        <a:effectLst/>
+      </p:bgPr>
+    </p:bg>
+    <p:spTree>
+      <p:nvGrpSpPr>
+        <p:cNvPr id="1" name=""/>
+        <p:cNvGrpSpPr/>
+        <p:nvPr/>
+      </p:nvGrpSpPr>
+      <p:grpSpPr>
+        <a:xfrm>
+          <a:off x="0" y="0"/>
+          <a:ext cx="0" cy="0"/>
+          <a:chOff x="0" y="0"/>
+          <a:chExt cx="0" cy="0"/>
+        </a:xfrm>
+      </p:grpSpPr>
+      <p:sp useBgFill="1">
+        <p:nvSpPr>
+          <p:cNvPr id="11" name="Rectangle 10">
+            <a:extLst>
+              <a:ext uri="{FF2B5EF4-FFF2-40B4-BE49-F238E27FC236}">
+                <a16:creationId xmlns:a16="http://schemas.microsoft.com/office/drawing/2014/main" id="{63644BFD-D22E-4019-B666-387DA51AEAFD}"/>
+              </a:ext>
+              <a:ext uri="{C183D7F6-B498-43B3-948B-1728B52AA6E4}">
+                <adec:decorative xmlns:adec="http://schemas.microsoft.com/office/drawing/2017/decorative" val="1"/>
+              </a:ext>
+            </a:extLst>
+          </p:cNvPr>
+          <p:cNvSpPr>
+            <a:spLocks noGrp="1" noRot="1" noChangeAspect="1" noMove="1" noResize="1" noEditPoints="1" noAdjustHandles="1" noChangeArrowheads="1" noChangeShapeType="1" noTextEdit="1"/>
+          </p:cNvSpPr>
+          <p:nvPr>
+            <p:extLst>
+              <p:ext uri="{386F3935-93C4-4BCD-93E2-E3B085C9AB24}">
+                <p16:designElem xmlns:p16="http://schemas.microsoft.com/office/powerpoint/2015/main" val="1"/>
+              </p:ext>
+            </p:extLst>
+          </p:nvPr>
+        </p:nvSpPr>
+        <p:spPr>
+          <a:xfrm>
+            <a:off x="0" y="0"/>
+            <a:ext cx="12191999" cy="6857365"/>
+          </a:xfrm>
+          <a:prstGeom prst="rect">
+            <a:avLst/>
+          </a:prstGeom>
+          <a:ln>
+            <a:noFill/>
+          </a:ln>
+        </p:spPr>
+        <p:style>
+          <a:lnRef idx="2">
+            <a:schemeClr val="accent1">
+              <a:shade val="50000"/>
+            </a:schemeClr>
+          </a:lnRef>
+          <a:fillRef idx="1">
+            <a:schemeClr val="accent1"/>
+          </a:fillRef>
+          <a:effectRef idx="0">
+            <a:schemeClr val="accent1"/>
+          </a:effectRef>
+          <a:fontRef idx="minor">
+            <a:schemeClr val="lt1"/>
+          </a:fontRef>
+        </p:style>
+        <p:txBody>
+          <a:bodyPr rtlCol="0" anchor="ctr"/>
+          <a:lstStyle/>
+          <a:p>
+            <a:pPr algn="ctr"/>
+            <a:endParaRPr lang="en-US"/>
+          </a:p>
+        </p:txBody>
+      </p:sp>
+      <p:grpSp>
+        <p:nvGrpSpPr>
+          <p:cNvPr id="13" name="Group 12">
+            <a:extLst>
+              <a:ext uri="{FF2B5EF4-FFF2-40B4-BE49-F238E27FC236}">
+                <a16:creationId xmlns:a16="http://schemas.microsoft.com/office/drawing/2014/main" id="{5FE9FE4C-C9E0-4C54-8010-EA9D29CD4D59}"/>
+              </a:ext>
+              <a:ext uri="{C183D7F6-B498-43B3-948B-1728B52AA6E4}">
+                <adec:decorative xmlns:adec="http://schemas.microsoft.com/office/drawing/2017/decorative" val="1"/>
+              </a:ext>
+            </a:extLst>
+          </p:cNvPr>
+          <p:cNvGrpSpPr>
+            <a:grpSpLocks noGrp="1" noUngrp="1" noRot="1" noChangeAspect="1" noMove="1" noResize="1"/>
+          </p:cNvGrpSpPr>
+          <p:nvPr>
+            <p:extLst>
+              <p:ext uri="{386F3935-93C4-4BCD-93E2-E3B085C9AB24}">
+                <p16:designElem xmlns:p16="http://schemas.microsoft.com/office/powerpoint/2015/main" val="1"/>
+              </p:ext>
+            </p:extLst>
+          </p:nvPr>
+        </p:nvGrpSpPr>
+        <p:grpSpPr>
+          <a:xfrm rot="5400000">
+            <a:off x="7956356" y="1890469"/>
+            <a:ext cx="5860051" cy="2079143"/>
+            <a:chOff x="6081624" y="1998368"/>
+            <a:chExt cx="5613457" cy="782175"/>
+          </a:xfrm>
+          <a:solidFill>
+            <a:schemeClr val="accent4"/>
+          </a:solidFill>
+        </p:grpSpPr>
+        <p:sp>
+          <p:nvSpPr>
+            <p:cNvPr id="14" name="Rectangle 13">
+              <a:extLst>
+                <a:ext uri="{FF2B5EF4-FFF2-40B4-BE49-F238E27FC236}">
+                  <a16:creationId xmlns:a16="http://schemas.microsoft.com/office/drawing/2014/main" id="{56FAD6EF-0374-46BD-901E-E901DCA01F59}"/>
+                </a:ext>
+                <a:ext uri="{C183D7F6-B498-43B3-948B-1728B52AA6E4}">
+                  <adec:decorative xmlns:adec="http://schemas.microsoft.com/office/drawing/2017/decorative" val="1"/>
+                </a:ext>
+              </a:extLst>
+            </p:cNvPr>
+            <p:cNvSpPr/>
+            <p:nvPr>
+              <p:extLst>
+                <p:ext uri="{386F3935-93C4-4BCD-93E2-E3B085C9AB24}">
+                  <p16:designElem xmlns:p16="http://schemas.microsoft.com/office/powerpoint/2015/main" val="1"/>
+                </p:ext>
+              </p:extLst>
+            </p:nvPr>
+          </p:nvSpPr>
+          <p:spPr>
+            <a:xfrm rot="5400000">
+              <a:off x="11228040" y="2313027"/>
+              <a:ext cx="781700" cy="152382"/>
+            </a:xfrm>
+            <a:prstGeom prst="rect">
+              <a:avLst/>
+            </a:prstGeom>
+            <a:grpFill/>
+            <a:ln>
+              <a:noFill/>
+            </a:ln>
+          </p:spPr>
+          <p:style>
+            <a:lnRef idx="2">
+              <a:schemeClr val="accent1">
+                <a:shade val="50000"/>
+              </a:schemeClr>
+            </a:lnRef>
+            <a:fillRef idx="1">
+              <a:schemeClr val="accent1"/>
+            </a:fillRef>
+            <a:effectRef idx="0">
+              <a:schemeClr val="accent1"/>
+            </a:effectRef>
+            <a:fontRef idx="minor">
+              <a:schemeClr val="lt1"/>
+            </a:fontRef>
+          </p:style>
+          <p:txBody>
+            <a:bodyPr rtlCol="0" anchor="ctr"/>
+            <a:lstStyle/>
+            <a:p>
+              <a:pPr algn="ctr"/>
+              <a:endParaRPr lang="en-US"/>
+            </a:p>
+          </p:txBody>
+        </p:sp>
+        <p:sp>
+          <p:nvSpPr>
+            <p:cNvPr id="15" name="Rectangle 14">
+              <a:extLst>
+                <a:ext uri="{FF2B5EF4-FFF2-40B4-BE49-F238E27FC236}">
+                  <a16:creationId xmlns:a16="http://schemas.microsoft.com/office/drawing/2014/main" id="{04847ABE-275E-4DCA-B164-A672D517FBC6}"/>
+                </a:ext>
+                <a:ext uri="{C183D7F6-B498-43B3-948B-1728B52AA6E4}">
+                  <adec:decorative xmlns:adec="http://schemas.microsoft.com/office/drawing/2017/decorative" val="1"/>
+                </a:ext>
+              </a:extLst>
+            </p:cNvPr>
+            <p:cNvSpPr/>
+            <p:nvPr>
+              <p:extLst>
+                <p:ext uri="{386F3935-93C4-4BCD-93E2-E3B085C9AB24}">
+                  <p16:designElem xmlns:p16="http://schemas.microsoft.com/office/powerpoint/2015/main" val="1"/>
+                </p:ext>
+              </p:extLst>
+            </p:nvPr>
+          </p:nvSpPr>
+          <p:spPr>
+            <a:xfrm flipH="1" flipV="1">
+              <a:off x="6081624" y="1998844"/>
+              <a:ext cx="5372968" cy="781699"/>
+            </a:xfrm>
+            <a:prstGeom prst="rect">
+              <a:avLst/>
+            </a:prstGeom>
+            <a:grpFill/>
+            <a:ln>
+              <a:noFill/>
+            </a:ln>
+          </p:spPr>
+          <p:style>
+            <a:lnRef idx="2">
+              <a:schemeClr val="accent1">
+                <a:shade val="50000"/>
+              </a:schemeClr>
+            </a:lnRef>
+            <a:fillRef idx="1">
+              <a:schemeClr val="accent1"/>
+            </a:fillRef>
+            <a:effectRef idx="0">
+              <a:schemeClr val="accent1"/>
+            </a:effectRef>
+            <a:fontRef idx="minor">
+              <a:schemeClr val="lt1"/>
+            </a:fontRef>
+          </p:style>
+          <p:txBody>
+            <a:bodyPr rtlCol="0" anchor="ctr"/>
+            <a:lstStyle/>
+            <a:p>
+              <a:pPr algn="ctr"/>
+              <a:endParaRPr lang="en-US"/>
+            </a:p>
+          </p:txBody>
+        </p:sp>
+      </p:grpSp>
+      <p:sp>
+        <p:nvSpPr>
+          <p:cNvPr id="17" name="Rectangle 16">
+            <a:extLst>
+              <a:ext uri="{FF2B5EF4-FFF2-40B4-BE49-F238E27FC236}">
+                <a16:creationId xmlns:a16="http://schemas.microsoft.com/office/drawing/2014/main" id="{3776B14B-F2F4-4825-8DA8-8C7A0F2B3960}"/>
+              </a:ext>
+              <a:ext uri="{C183D7F6-B498-43B3-948B-1728B52AA6E4}">
+                <adec:decorative xmlns:adec="http://schemas.microsoft.com/office/drawing/2017/decorative" val="1"/>
+              </a:ext>
+            </a:extLst>
+          </p:cNvPr>
+          <p:cNvSpPr>
+            <a:spLocks noGrp="1" noRot="1" noChangeAspect="1" noMove="1" noResize="1" noEditPoints="1" noAdjustHandles="1" noChangeArrowheads="1" noChangeShapeType="1" noTextEdit="1"/>
+          </p:cNvSpPr>
+          <p:nvPr>
+            <p:extLst>
+              <p:ext uri="{386F3935-93C4-4BCD-93E2-E3B085C9AB24}">
+                <p16:designElem xmlns:p16="http://schemas.microsoft.com/office/powerpoint/2015/main" val="1"/>
+              </p:ext>
+            </p:extLst>
+          </p:nvPr>
+        </p:nvSpPr>
+        <p:spPr>
+          <a:xfrm>
+            <a:off x="579528" y="466344"/>
+            <a:ext cx="11111729" cy="5917827"/>
+          </a:xfrm>
+          <a:prstGeom prst="rect">
+            <a:avLst/>
+          </a:prstGeom>
+          <a:solidFill>
+            <a:schemeClr val="bg1"/>
+          </a:solidFill>
+          <a:ln>
+            <a:noFill/>
+          </a:ln>
+          <a:effectLst>
+            <a:outerShdw blurRad="139700" dist="127000" dir="5400000" algn="t" rotWithShape="0">
+              <a:prstClr val="black">
+                <a:alpha val="15000"/>
+              </a:prstClr>
+            </a:outerShdw>
+          </a:effectLst>
+        </p:spPr>
+        <p:style>
+          <a:lnRef idx="2">
+            <a:schemeClr val="accent1">
+              <a:shade val="50000"/>
+            </a:schemeClr>
+          </a:lnRef>
+          <a:fillRef idx="1">
+            <a:schemeClr val="accent1"/>
+          </a:fillRef>
+          <a:effectRef idx="0">
+            <a:schemeClr val="accent1"/>
+          </a:effectRef>
+          <a:fontRef idx="minor">
+            <a:schemeClr val="lt1"/>
+          </a:fontRef>
+        </p:style>
+        <p:txBody>
+          <a:bodyPr rtlCol="0" anchor="ctr"/>
+          <a:lstStyle/>
+          <a:p>
+            <a:pPr algn="ctr"/>
+            <a:endParaRPr lang="en-US"/>
+          </a:p>
+        </p:txBody>
+      </p:sp>
+      <p:pic>
+        <p:nvPicPr>
+          <p:cNvPr id="6" name="Imagen 5">
+            <a:extLst>
+              <a:ext uri="{FF2B5EF4-FFF2-40B4-BE49-F238E27FC236}">
+                <a16:creationId xmlns:a16="http://schemas.microsoft.com/office/drawing/2014/main" id="{8EAE6118-DA33-FEC3-784A-CE3580E06DD6}"/>
+              </a:ext>
+            </a:extLst>
+          </p:cNvPr>
+          <p:cNvPicPr>
+            <a:picLocks noChangeAspect="1"/>
+          </p:cNvPicPr>
+          <p:nvPr/>
+        </p:nvPicPr>
+        <p:blipFill>
+          <a:blip r:embed="rId2"/>
+          <a:srcRect t="2125" b="32044"/>
+          <a:stretch/>
+        </p:blipFill>
+        <p:spPr>
+          <a:xfrm>
+            <a:off x="838200" y="704765"/>
+            <a:ext cx="10628376" cy="5440003"/>
+          </a:xfrm>
+          <a:prstGeom prst="rect">
+            <a:avLst/>
+          </a:prstGeom>
+        </p:spPr>
+      </p:pic>
+      <p:sp>
+        <p:nvSpPr>
+          <p:cNvPr id="8" name="CuadroTexto 7">
+            <a:extLst>
+              <a:ext uri="{FF2B5EF4-FFF2-40B4-BE49-F238E27FC236}">
+                <a16:creationId xmlns:a16="http://schemas.microsoft.com/office/drawing/2014/main" id="{52154432-5209-1043-3EC9-713DC7542929}"/>
+              </a:ext>
+            </a:extLst>
+          </p:cNvPr>
+          <p:cNvSpPr txBox="1"/>
+          <p:nvPr/>
+        </p:nvSpPr>
+        <p:spPr>
+          <a:xfrm>
+            <a:off x="307181" y="6497657"/>
+            <a:ext cx="6100762" cy="246221"/>
+          </a:xfrm>
+          <a:prstGeom prst="rect">
+            <a:avLst/>
+          </a:prstGeom>
+          <a:noFill/>
+        </p:spPr>
+        <p:txBody>
+          <a:bodyPr wrap="square">
+            <a:spAutoFit/>
+          </a:bodyPr>
+          <a:lstStyle/>
+          <a:p>
+            <a:r>
+              <a:rPr lang="es-CO" sz="1000" kern="0" dirty="0">
+                <a:solidFill>
+                  <a:schemeClr val="bg2"/>
+                </a:solidFill>
+                <a:effectLst/>
+                <a:latin typeface="Aptos" panose="020B0004020202020204" pitchFamily="34" charset="0"/>
+                <a:ea typeface="Arial" panose="020B0604020202020204" pitchFamily="34" charset="0"/>
+                <a:cs typeface="Arial" panose="020B0604020202020204" pitchFamily="34" charset="0"/>
+              </a:rPr>
+              <a:t>¿De estas marcas de crema dental cuales conoces o has oído nombrar? </a:t>
+            </a:r>
+            <a:endParaRPr lang="es-ES_tradnl" sz="1000" dirty="0">
+              <a:solidFill>
+                <a:schemeClr val="bg2"/>
+              </a:solidFill>
+            </a:endParaRPr>
+          </a:p>
+        </p:txBody>
+      </p:sp>
+    </p:spTree>
+    <p:extLst>
+      <p:ext uri="{BB962C8B-B14F-4D97-AF65-F5344CB8AC3E}">
+        <p14:creationId xmlns:p14="http://schemas.microsoft.com/office/powerpoint/2010/main" val="2574194052"/>
+      </p:ext>
+    </p:extLst>
+  </p:cSld>
+  <p:clrMapOvr>
+    <a:masterClrMapping/>
+  </p:clrMapOvr>
+</p:sld>
+</file>
+
+<file path=ppt/slides/slide7.xml><?xml version="1.0" encoding="utf-8"?>
+<p:sld xmlns:a="http://schemas.openxmlformats.org/drawingml/2006/main" xmlns:r="http://schemas.openxmlformats.org/officeDocument/2006/relationships" xmlns:p="http://schemas.openxmlformats.org/presentationml/2006/main">
+  <p:cSld>
+    <p:spTree>
+      <p:nvGrpSpPr>
+        <p:cNvPr id="1" name=""/>
+        <p:cNvGrpSpPr/>
+        <p:nvPr/>
+      </p:nvGrpSpPr>
+      <p:grpSpPr>
+        <a:xfrm>
+          <a:off x="0" y="0"/>
+          <a:ext cx="0" cy="0"/>
+          <a:chOff x="0" y="0"/>
+          <a:chExt cx="0" cy="0"/>
+        </a:xfrm>
+      </p:grpSpPr>
+      <p:sp>
+        <p:nvSpPr>
+          <p:cNvPr id="9" name="Rectángulo 8">
+            <a:extLst>
+              <a:ext uri="{FF2B5EF4-FFF2-40B4-BE49-F238E27FC236}">
+                <a16:creationId xmlns:a16="http://schemas.microsoft.com/office/drawing/2014/main" id="{2417B4C8-D94A-C7D0-A338-F6B87DEAE304}"/>
+              </a:ext>
+            </a:extLst>
+          </p:cNvPr>
+          <p:cNvSpPr/>
+          <p:nvPr/>
+        </p:nvSpPr>
+        <p:spPr>
+          <a:xfrm>
+            <a:off x="0" y="0"/>
+            <a:ext cx="985838" cy="6858000"/>
+          </a:xfrm>
+          <a:prstGeom prst="rect">
+            <a:avLst/>
+          </a:prstGeom>
+          <a:solidFill>
+            <a:srgbClr val="0E9ED6"/>
+          </a:solidFill>
+          <a:ln>
+            <a:solidFill>
+              <a:srgbClr val="0E9ED6"/>
+            </a:solidFill>
+          </a:ln>
+        </p:spPr>
+        <p:style>
+          <a:lnRef idx="2">
+            <a:schemeClr val="accent1">
+              <a:shade val="15000"/>
+            </a:schemeClr>
+          </a:lnRef>
+          <a:fillRef idx="1">
+            <a:schemeClr val="accent1"/>
+          </a:fillRef>
+          <a:effectRef idx="0">
+            <a:schemeClr val="accent1"/>
+          </a:effectRef>
+          <a:fontRef idx="minor">
+            <a:schemeClr val="lt1"/>
+          </a:fontRef>
+        </p:style>
+        <p:txBody>
+          <a:bodyPr rtlCol="0" anchor="ctr"/>
+          <a:lstStyle/>
+          <a:p>
+            <a:pPr algn="ctr"/>
+            <a:endParaRPr lang="es-ES_tradnl"/>
+          </a:p>
+        </p:txBody>
+      </p:sp>
+      <p:sp>
+        <p:nvSpPr>
+          <p:cNvPr id="10" name="CuadroTexto 9">
+            <a:extLst>
+              <a:ext uri="{FF2B5EF4-FFF2-40B4-BE49-F238E27FC236}">
+                <a16:creationId xmlns:a16="http://schemas.microsoft.com/office/drawing/2014/main" id="{BFFA4938-11ED-BBF1-C379-0C9FE7C76E26}"/>
+              </a:ext>
+            </a:extLst>
+          </p:cNvPr>
+          <p:cNvSpPr txBox="1"/>
+          <p:nvPr/>
+        </p:nvSpPr>
+        <p:spPr>
+          <a:xfrm>
+            <a:off x="985838" y="6513986"/>
+            <a:ext cx="4095448" cy="246221"/>
+          </a:xfrm>
+          <a:prstGeom prst="rect">
+            <a:avLst/>
+          </a:prstGeom>
+          <a:noFill/>
+        </p:spPr>
+        <p:txBody>
+          <a:bodyPr wrap="square">
+            <a:spAutoFit/>
+          </a:bodyPr>
+          <a:lstStyle/>
+          <a:p>
+            <a:r>
+              <a:rPr lang="es-CO" sz="1000" kern="0">
+                <a:solidFill>
+                  <a:schemeClr val="bg2"/>
+                </a:solidFill>
+                <a:effectLst/>
+                <a:latin typeface="Aptos" panose="020B0004020202020204" pitchFamily="34" charset="0"/>
+                <a:ea typeface="Arial" panose="020B0604020202020204" pitchFamily="34" charset="0"/>
+                <a:cs typeface="Arial" panose="020B0604020202020204" pitchFamily="34" charset="0"/>
+              </a:rPr>
+              <a:t>¿Cuál marca de crema dental has comprado en los últimos 3 meses? </a:t>
+            </a:r>
+            <a:endParaRPr lang="es-ES_tradnl" sz="1000" dirty="0">
+              <a:solidFill>
+                <a:schemeClr val="bg2"/>
+              </a:solidFill>
+            </a:endParaRPr>
+          </a:p>
+        </p:txBody>
+      </p:sp>
+      <p:pic>
+        <p:nvPicPr>
+          <p:cNvPr id="11" name="Imagen 10">
+            <a:extLst>
+              <a:ext uri="{FF2B5EF4-FFF2-40B4-BE49-F238E27FC236}">
+                <a16:creationId xmlns:a16="http://schemas.microsoft.com/office/drawing/2014/main" id="{275A2956-2657-9488-7B5F-D7476C0EC12B}"/>
+              </a:ext>
+            </a:extLst>
+          </p:cNvPr>
+          <p:cNvPicPr>
+            <a:picLocks noChangeAspect="1"/>
+          </p:cNvPicPr>
+          <p:nvPr/>
+        </p:nvPicPr>
+        <p:blipFill>
+          <a:blip r:embed="rId2"/>
+          <a:stretch>
+            <a:fillRect/>
+          </a:stretch>
+        </p:blipFill>
+        <p:spPr>
+          <a:xfrm>
+            <a:off x="1156972" y="335666"/>
+            <a:ext cx="11035028" cy="6080527"/>
+          </a:xfrm>
+          <a:prstGeom prst="rect">
+            <a:avLst/>
+          </a:prstGeom>
+        </p:spPr>
+      </p:pic>
+    </p:spTree>
+    <p:extLst>
+      <p:ext uri="{BB962C8B-B14F-4D97-AF65-F5344CB8AC3E}">
+        <p14:creationId xmlns:p14="http://schemas.microsoft.com/office/powerpoint/2010/main" val="3832612468"/>
+      </p:ext>
+    </p:extLst>
+  </p:cSld>
+  <p:clrMapOvr>
+    <a:masterClrMapping/>
+  </p:clrMapOvr>
+</p:sld>
+</file>
+
+<file path=ppt/slides/slide8.xml><?xml version="1.0" encoding="utf-8"?>
+<p:sld xmlns:a="http://schemas.openxmlformats.org/drawingml/2006/main" xmlns:r="http://schemas.openxmlformats.org/officeDocument/2006/relationships" xmlns:p="http://schemas.openxmlformats.org/presentationml/2006/main">
+  <p:cSld>
+    <p:spTree>
+      <p:nvGrpSpPr>
+        <p:cNvPr id="1" name=""/>
+        <p:cNvGrpSpPr/>
+        <p:nvPr/>
+      </p:nvGrpSpPr>
+      <p:grpSpPr>
+        <a:xfrm>
+          <a:off x="0" y="0"/>
+          <a:ext cx="0" cy="0"/>
+          <a:chOff x="0" y="0"/>
+          <a:chExt cx="0" cy="0"/>
+        </a:xfrm>
+      </p:grpSpPr>
+    </p:spTree>
+    <p:extLst>
+      <p:ext uri="{BB962C8B-B14F-4D97-AF65-F5344CB8AC3E}">
+        <p14:creationId xmlns:p14="http://schemas.microsoft.com/office/powerpoint/2010/main" val="122531697"/>
+      </p:ext>
+    </p:extLst>
+  </p:cSld>
+  <p:clrMapOvr>
+    <a:masterClrMapping/>
+  </p:clrMapOvr>
+</p:sld>
+</file>
+
+<file path=ppt/slides/slide9.xml><?xml version="1.0" encoding="utf-8"?>
+<p:sld xmlns:a="http://schemas.openxmlformats.org/drawingml/2006/main" xmlns:r="http://schemas.openxmlformats.org/officeDocument/2006/relationships" xmlns:p="http://schemas.openxmlformats.org/presentationml/2006/main">
+  <p:cSld>
+    <p:spTree>
+      <p:nvGrpSpPr>
+        <p:cNvPr id="1" name=""/>
+        <p:cNvGrpSpPr/>
+        <p:nvPr/>
+      </p:nvGrpSpPr>
+      <p:grpSpPr>
+        <a:xfrm>
+          <a:off x="0" y="0"/>
+          <a:ext cx="0" cy="0"/>
+          <a:chOff x="0" y="0"/>
+          <a:chExt cx="0" cy="0"/>
+        </a:xfrm>
+      </p:grpSpPr>
+    </p:spTree>
+    <p:extLst>
+      <p:ext uri="{BB962C8B-B14F-4D97-AF65-F5344CB8AC3E}">
+        <p14:creationId xmlns:p14="http://schemas.microsoft.com/office/powerpoint/2010/main" val="1702005124"/>
       </p:ext>
     </p:extLst>
   </p:cSld>

--- a/FluoCardent/4.Documents/Informe_preliminar.pptx
+++ b/FluoCardent/4.Documents/Informe_preliminar.pptx
@@ -277,7 +277,7 @@
           <a:p>
             <a:fld id="{1CD2D1C6-1B00-0A42-ADC2-1DD25C4B3E9A}" type="datetimeFigureOut">
               <a:rPr lang="es-ES_tradnl" smtClean="0"/>
-              <a:t>13/8/24</a:t>
+              <a:t>24/8/24</a:t>
             </a:fld>
             <a:endParaRPr lang="es-ES_tradnl"/>
           </a:p>
@@ -477,7 +477,7 @@
           <a:p>
             <a:fld id="{1CD2D1C6-1B00-0A42-ADC2-1DD25C4B3E9A}" type="datetimeFigureOut">
               <a:rPr lang="es-ES_tradnl" smtClean="0"/>
-              <a:t>13/8/24</a:t>
+              <a:t>24/8/24</a:t>
             </a:fld>
             <a:endParaRPr lang="es-ES_tradnl"/>
           </a:p>
@@ -687,7 +687,7 @@
           <a:p>
             <a:fld id="{1CD2D1C6-1B00-0A42-ADC2-1DD25C4B3E9A}" type="datetimeFigureOut">
               <a:rPr lang="es-ES_tradnl" smtClean="0"/>
-              <a:t>13/8/24</a:t>
+              <a:t>24/8/24</a:t>
             </a:fld>
             <a:endParaRPr lang="es-ES_tradnl"/>
           </a:p>
@@ -887,7 +887,7 @@
           <a:p>
             <a:fld id="{1CD2D1C6-1B00-0A42-ADC2-1DD25C4B3E9A}" type="datetimeFigureOut">
               <a:rPr lang="es-ES_tradnl" smtClean="0"/>
-              <a:t>13/8/24</a:t>
+              <a:t>24/8/24</a:t>
             </a:fld>
             <a:endParaRPr lang="es-ES_tradnl"/>
           </a:p>
@@ -1163,7 +1163,7 @@
           <a:p>
             <a:fld id="{1CD2D1C6-1B00-0A42-ADC2-1DD25C4B3E9A}" type="datetimeFigureOut">
               <a:rPr lang="es-ES_tradnl" smtClean="0"/>
-              <a:t>13/8/24</a:t>
+              <a:t>24/8/24</a:t>
             </a:fld>
             <a:endParaRPr lang="es-ES_tradnl"/>
           </a:p>
@@ -1431,7 +1431,7 @@
           <a:p>
             <a:fld id="{1CD2D1C6-1B00-0A42-ADC2-1DD25C4B3E9A}" type="datetimeFigureOut">
               <a:rPr lang="es-ES_tradnl" smtClean="0"/>
-              <a:t>13/8/24</a:t>
+              <a:t>24/8/24</a:t>
             </a:fld>
             <a:endParaRPr lang="es-ES_tradnl"/>
           </a:p>
@@ -1846,7 +1846,7 @@
           <a:p>
             <a:fld id="{1CD2D1C6-1B00-0A42-ADC2-1DD25C4B3E9A}" type="datetimeFigureOut">
               <a:rPr lang="es-ES_tradnl" smtClean="0"/>
-              <a:t>13/8/24</a:t>
+              <a:t>24/8/24</a:t>
             </a:fld>
             <a:endParaRPr lang="es-ES_tradnl"/>
           </a:p>
@@ -1988,7 +1988,7 @@
           <a:p>
             <a:fld id="{1CD2D1C6-1B00-0A42-ADC2-1DD25C4B3E9A}" type="datetimeFigureOut">
               <a:rPr lang="es-ES_tradnl" smtClean="0"/>
-              <a:t>13/8/24</a:t>
+              <a:t>24/8/24</a:t>
             </a:fld>
             <a:endParaRPr lang="es-ES_tradnl"/>
           </a:p>
@@ -2101,7 +2101,7 @@
           <a:p>
             <a:fld id="{1CD2D1C6-1B00-0A42-ADC2-1DD25C4B3E9A}" type="datetimeFigureOut">
               <a:rPr lang="es-ES_tradnl" smtClean="0"/>
-              <a:t>13/8/24</a:t>
+              <a:t>24/8/24</a:t>
             </a:fld>
             <a:endParaRPr lang="es-ES_tradnl"/>
           </a:p>
@@ -2414,7 +2414,7 @@
           <a:p>
             <a:fld id="{1CD2D1C6-1B00-0A42-ADC2-1DD25C4B3E9A}" type="datetimeFigureOut">
               <a:rPr lang="es-ES_tradnl" smtClean="0"/>
-              <a:t>13/8/24</a:t>
+              <a:t>24/8/24</a:t>
             </a:fld>
             <a:endParaRPr lang="es-ES_tradnl"/>
           </a:p>
@@ -2703,7 +2703,7 @@
           <a:p>
             <a:fld id="{1CD2D1C6-1B00-0A42-ADC2-1DD25C4B3E9A}" type="datetimeFigureOut">
               <a:rPr lang="es-ES_tradnl" smtClean="0"/>
-              <a:t>13/8/24</a:t>
+              <a:t>24/8/24</a:t>
             </a:fld>
             <a:endParaRPr lang="es-ES_tradnl"/>
           </a:p>
@@ -2946,7 +2946,7 @@
           <a:p>
             <a:fld id="{1CD2D1C6-1B00-0A42-ADC2-1DD25C4B3E9A}" type="datetimeFigureOut">
               <a:rPr lang="es-ES_tradnl" smtClean="0"/>
-              <a:t>13/8/24</a:t>
+              <a:t>24/8/24</a:t>
             </a:fld>
             <a:endParaRPr lang="es-ES_tradnl"/>
           </a:p>
@@ -10635,36 +10635,6 @@
           </a:p>
         </p:txBody>
       </p:sp>
-      <p:pic>
-        <p:nvPicPr>
-          <p:cNvPr id="4" name="Imagen 3">
-            <a:extLst>
-              <a:ext uri="{FF2B5EF4-FFF2-40B4-BE49-F238E27FC236}">
-                <a16:creationId xmlns:a16="http://schemas.microsoft.com/office/drawing/2014/main" id="{4ABB8E44-40B3-244C-54B9-1C5AD74D9636}"/>
-              </a:ext>
-            </a:extLst>
-          </p:cNvPr>
-          <p:cNvPicPr>
-            <a:picLocks noChangeAspect="1"/>
-          </p:cNvPicPr>
-          <p:nvPr/>
-        </p:nvPicPr>
-        <p:blipFill>
-          <a:blip r:embed="rId2"/>
-          <a:stretch>
-            <a:fillRect/>
-          </a:stretch>
-        </p:blipFill>
-        <p:spPr>
-          <a:xfrm>
-            <a:off x="4079134" y="391886"/>
-            <a:ext cx="7616042" cy="6017078"/>
-          </a:xfrm>
-          <a:prstGeom prst="rect">
-            <a:avLst/>
-          </a:prstGeom>
-        </p:spPr>
-      </p:pic>
       <p:sp>
         <p:nvSpPr>
           <p:cNvPr id="7" name="Título 1">
@@ -10712,10 +10682,6 @@
             </a:lvl1pPr>
           </a:lstStyle>
           <a:p>
-            <a:r>
-              <a:rPr lang="en-US" sz="5400" b="1" dirty="0" err="1"/>
-              <a:t>Diagnóstico</a:t>
-            </a:r>
             <a:endParaRPr lang="en-US" sz="5400" b="1" dirty="0"/>
           </a:p>
         </p:txBody>
